--- a/Art/Bombardier.pptx
+++ b/Art/Bombardier.pptx
@@ -6,6 +6,7 @@
   </p:sldMasterIdLst>
   <p:sldIdLst>
     <p:sldId id="256" r:id="rId2"/>
+    <p:sldId id="257" r:id="rId3"/>
   </p:sldIdLst>
   <p:sldSz cx="9144000" cy="6858000" type="screen4x3"/>
   <p:notesSz cx="6858000" cy="9144000"/>
@@ -288,7 +289,7 @@
           <a:p>
             <a:fld id="{DFD7034F-1760-4B20-AE6D-A3DD230D8A49}" type="datetimeFigureOut">
               <a:rPr lang="ru-RU" smtClean="0"/>
-              <a:t>04.05.2013</a:t>
+              <a:t>29.08.2013</a:t>
             </a:fld>
             <a:endParaRPr lang="ru-RU"/>
           </a:p>
@@ -458,7 +459,7 @@
           <a:p>
             <a:fld id="{DFD7034F-1760-4B20-AE6D-A3DD230D8A49}" type="datetimeFigureOut">
               <a:rPr lang="ru-RU" smtClean="0"/>
-              <a:t>04.05.2013</a:t>
+              <a:t>29.08.2013</a:t>
             </a:fld>
             <a:endParaRPr lang="ru-RU"/>
           </a:p>
@@ -638,7 +639,7 @@
           <a:p>
             <a:fld id="{DFD7034F-1760-4B20-AE6D-A3DD230D8A49}" type="datetimeFigureOut">
               <a:rPr lang="ru-RU" smtClean="0"/>
-              <a:t>04.05.2013</a:t>
+              <a:t>29.08.2013</a:t>
             </a:fld>
             <a:endParaRPr lang="ru-RU"/>
           </a:p>
@@ -808,7 +809,7 @@
           <a:p>
             <a:fld id="{DFD7034F-1760-4B20-AE6D-A3DD230D8A49}" type="datetimeFigureOut">
               <a:rPr lang="ru-RU" smtClean="0"/>
-              <a:t>04.05.2013</a:t>
+              <a:t>29.08.2013</a:t>
             </a:fld>
             <a:endParaRPr lang="ru-RU"/>
           </a:p>
@@ -1054,7 +1055,7 @@
           <a:p>
             <a:fld id="{DFD7034F-1760-4B20-AE6D-A3DD230D8A49}" type="datetimeFigureOut">
               <a:rPr lang="ru-RU" smtClean="0"/>
-              <a:t>04.05.2013</a:t>
+              <a:t>29.08.2013</a:t>
             </a:fld>
             <a:endParaRPr lang="ru-RU"/>
           </a:p>
@@ -1342,7 +1343,7 @@
           <a:p>
             <a:fld id="{DFD7034F-1760-4B20-AE6D-A3DD230D8A49}" type="datetimeFigureOut">
               <a:rPr lang="ru-RU" smtClean="0"/>
-              <a:t>04.05.2013</a:t>
+              <a:t>29.08.2013</a:t>
             </a:fld>
             <a:endParaRPr lang="ru-RU"/>
           </a:p>
@@ -1764,7 +1765,7 @@
           <a:p>
             <a:fld id="{DFD7034F-1760-4B20-AE6D-A3DD230D8A49}" type="datetimeFigureOut">
               <a:rPr lang="ru-RU" smtClean="0"/>
-              <a:t>04.05.2013</a:t>
+              <a:t>29.08.2013</a:t>
             </a:fld>
             <a:endParaRPr lang="ru-RU"/>
           </a:p>
@@ -1882,7 +1883,7 @@
           <a:p>
             <a:fld id="{DFD7034F-1760-4B20-AE6D-A3DD230D8A49}" type="datetimeFigureOut">
               <a:rPr lang="ru-RU" smtClean="0"/>
-              <a:t>04.05.2013</a:t>
+              <a:t>29.08.2013</a:t>
             </a:fld>
             <a:endParaRPr lang="ru-RU"/>
           </a:p>
@@ -1977,7 +1978,7 @@
           <a:p>
             <a:fld id="{DFD7034F-1760-4B20-AE6D-A3DD230D8A49}" type="datetimeFigureOut">
               <a:rPr lang="ru-RU" smtClean="0"/>
-              <a:t>04.05.2013</a:t>
+              <a:t>29.08.2013</a:t>
             </a:fld>
             <a:endParaRPr lang="ru-RU"/>
           </a:p>
@@ -2254,7 +2255,7 @@
           <a:p>
             <a:fld id="{DFD7034F-1760-4B20-AE6D-A3DD230D8A49}" type="datetimeFigureOut">
               <a:rPr lang="ru-RU" smtClean="0"/>
-              <a:t>04.05.2013</a:t>
+              <a:t>29.08.2013</a:t>
             </a:fld>
             <a:endParaRPr lang="ru-RU"/>
           </a:p>
@@ -2507,7 +2508,7 @@
           <a:p>
             <a:fld id="{DFD7034F-1760-4B20-AE6D-A3DD230D8A49}" type="datetimeFigureOut">
               <a:rPr lang="ru-RU" smtClean="0"/>
-              <a:t>04.05.2013</a:t>
+              <a:t>29.08.2013</a:t>
             </a:fld>
             <a:endParaRPr lang="ru-RU"/>
           </a:p>
@@ -2720,7 +2721,7 @@
           <a:p>
             <a:fld id="{DFD7034F-1760-4B20-AE6D-A3DD230D8A49}" type="datetimeFigureOut">
               <a:rPr lang="ru-RU" smtClean="0"/>
-              <a:t>04.05.2013</a:t>
+              <a:t>29.08.2013</a:t>
             </a:fld>
             <a:endParaRPr lang="ru-RU"/>
           </a:p>
@@ -3337,6 +3338,1590 @@
 </p:sld>
 </file>
 
+<file path=ppt/slides/slide2.xml><?xml version="1.0" encoding="utf-8"?>
+<p:sld xmlns:a="http://schemas.openxmlformats.org/drawingml/2006/main" xmlns:r="http://schemas.openxmlformats.org/officeDocument/2006/relationships" xmlns:p="http://schemas.openxmlformats.org/presentationml/2006/main">
+  <p:cSld>
+    <p:spTree>
+      <p:nvGrpSpPr>
+        <p:cNvPr id="1" name=""/>
+        <p:cNvGrpSpPr/>
+        <p:nvPr/>
+      </p:nvGrpSpPr>
+      <p:grpSpPr>
+        <a:xfrm>
+          <a:off x="0" y="0"/>
+          <a:ext cx="0" cy="0"/>
+          <a:chOff x="0" y="0"/>
+          <a:chExt cx="0" cy="0"/>
+        </a:xfrm>
+      </p:grpSpPr>
+      <p:grpSp>
+        <p:nvGrpSpPr>
+          <p:cNvPr id="46" name="Group 45"/>
+          <p:cNvGrpSpPr/>
+          <p:nvPr/>
+        </p:nvGrpSpPr>
+        <p:grpSpPr>
+          <a:xfrm>
+            <a:off x="1366153" y="1455054"/>
+            <a:ext cx="685800" cy="2324100"/>
+            <a:chOff x="762000" y="1866900"/>
+            <a:chExt cx="685800" cy="2324100"/>
+          </a:xfrm>
+        </p:grpSpPr>
+        <p:sp>
+          <p:nvSpPr>
+            <p:cNvPr id="47" name="Oval 46"/>
+            <p:cNvSpPr/>
+            <p:nvPr/>
+          </p:nvSpPr>
+          <p:spPr>
+            <a:xfrm>
+              <a:off x="762000" y="3810000"/>
+              <a:ext cx="685800" cy="381000"/>
+            </a:xfrm>
+            <a:prstGeom prst="ellipse">
+              <a:avLst/>
+            </a:prstGeom>
+            <a:solidFill>
+              <a:schemeClr val="accent6">
+                <a:lumMod val="50000"/>
+              </a:schemeClr>
+            </a:solidFill>
+            <a:ln>
+              <a:solidFill>
+                <a:schemeClr val="tx1">
+                  <a:lumMod val="65000"/>
+                  <a:lumOff val="35000"/>
+                </a:schemeClr>
+              </a:solidFill>
+            </a:ln>
+          </p:spPr>
+          <p:style>
+            <a:lnRef idx="2">
+              <a:schemeClr val="accent1">
+                <a:shade val="50000"/>
+              </a:schemeClr>
+            </a:lnRef>
+            <a:fillRef idx="1">
+              <a:schemeClr val="accent1"/>
+            </a:fillRef>
+            <a:effectRef idx="0">
+              <a:schemeClr val="accent1"/>
+            </a:effectRef>
+            <a:fontRef idx="minor">
+              <a:schemeClr val="lt1"/>
+            </a:fontRef>
+          </p:style>
+          <p:txBody>
+            <a:bodyPr rtlCol="0" anchor="ctr"/>
+            <a:lstStyle/>
+            <a:p>
+              <a:pPr algn="ctr"/>
+              <a:endParaRPr lang="en-US"/>
+            </a:p>
+          </p:txBody>
+        </p:sp>
+        <p:sp>
+          <p:nvSpPr>
+            <p:cNvPr id="48" name="Rectangle 47"/>
+            <p:cNvSpPr/>
+            <p:nvPr/>
+          </p:nvSpPr>
+          <p:spPr>
+            <a:xfrm>
+              <a:off x="762000" y="2057400"/>
+              <a:ext cx="685800" cy="1943100"/>
+            </a:xfrm>
+            <a:prstGeom prst="rect">
+              <a:avLst/>
+            </a:prstGeom>
+            <a:solidFill>
+              <a:schemeClr val="accent6">
+                <a:lumMod val="50000"/>
+              </a:schemeClr>
+            </a:solidFill>
+            <a:ln>
+              <a:noFill/>
+            </a:ln>
+          </p:spPr>
+          <p:style>
+            <a:lnRef idx="2">
+              <a:schemeClr val="accent1">
+                <a:shade val="50000"/>
+              </a:schemeClr>
+            </a:lnRef>
+            <a:fillRef idx="1">
+              <a:schemeClr val="accent1"/>
+            </a:fillRef>
+            <a:effectRef idx="0">
+              <a:schemeClr val="accent1"/>
+            </a:effectRef>
+            <a:fontRef idx="minor">
+              <a:schemeClr val="lt1"/>
+            </a:fontRef>
+          </p:style>
+          <p:txBody>
+            <a:bodyPr rtlCol="0" anchor="ctr"/>
+            <a:lstStyle/>
+            <a:p>
+              <a:pPr algn="ctr"/>
+              <a:endParaRPr lang="en-US"/>
+            </a:p>
+          </p:txBody>
+        </p:sp>
+        <p:sp>
+          <p:nvSpPr>
+            <p:cNvPr id="49" name="Oval 48"/>
+            <p:cNvSpPr/>
+            <p:nvPr/>
+          </p:nvSpPr>
+          <p:spPr>
+            <a:xfrm>
+              <a:off x="762000" y="1866900"/>
+              <a:ext cx="685800" cy="381000"/>
+            </a:xfrm>
+            <a:prstGeom prst="ellipse">
+              <a:avLst/>
+            </a:prstGeom>
+            <a:solidFill>
+              <a:schemeClr val="accent6">
+                <a:lumMod val="50000"/>
+              </a:schemeClr>
+            </a:solidFill>
+            <a:ln>
+              <a:solidFill>
+                <a:schemeClr val="tx1">
+                  <a:lumMod val="65000"/>
+                  <a:lumOff val="35000"/>
+                </a:schemeClr>
+              </a:solidFill>
+            </a:ln>
+          </p:spPr>
+          <p:style>
+            <a:lnRef idx="2">
+              <a:schemeClr val="accent1">
+                <a:shade val="50000"/>
+              </a:schemeClr>
+            </a:lnRef>
+            <a:fillRef idx="1">
+              <a:schemeClr val="accent1"/>
+            </a:fillRef>
+            <a:effectRef idx="0">
+              <a:schemeClr val="accent1"/>
+            </a:effectRef>
+            <a:fontRef idx="minor">
+              <a:schemeClr val="lt1"/>
+            </a:fontRef>
+          </p:style>
+          <p:txBody>
+            <a:bodyPr rtlCol="0" anchor="ctr"/>
+            <a:lstStyle/>
+            <a:p>
+              <a:pPr algn="ctr"/>
+              <a:endParaRPr lang="en-US"/>
+            </a:p>
+          </p:txBody>
+        </p:sp>
+        <p:cxnSp>
+          <p:nvCxnSpPr>
+            <p:cNvPr id="50" name="Straight Connector 49"/>
+            <p:cNvCxnSpPr/>
+            <p:nvPr/>
+          </p:nvCxnSpPr>
+          <p:spPr>
+            <a:xfrm>
+              <a:off x="762000" y="2057400"/>
+              <a:ext cx="0" cy="1943100"/>
+            </a:xfrm>
+            <a:prstGeom prst="line">
+              <a:avLst/>
+            </a:prstGeom>
+            <a:solidFill>
+              <a:schemeClr val="accent6">
+                <a:lumMod val="50000"/>
+              </a:schemeClr>
+            </a:solidFill>
+            <a:ln>
+              <a:solidFill>
+                <a:schemeClr val="tx1">
+                  <a:lumMod val="65000"/>
+                  <a:lumOff val="35000"/>
+                </a:schemeClr>
+              </a:solidFill>
+            </a:ln>
+          </p:spPr>
+          <p:style>
+            <a:lnRef idx="2">
+              <a:schemeClr val="accent1">
+                <a:shade val="50000"/>
+              </a:schemeClr>
+            </a:lnRef>
+            <a:fillRef idx="1">
+              <a:schemeClr val="accent1"/>
+            </a:fillRef>
+            <a:effectRef idx="0">
+              <a:schemeClr val="accent1"/>
+            </a:effectRef>
+            <a:fontRef idx="minor">
+              <a:schemeClr val="lt1"/>
+            </a:fontRef>
+          </p:style>
+        </p:cxnSp>
+        <p:cxnSp>
+          <p:nvCxnSpPr>
+            <p:cNvPr id="51" name="Straight Connector 50"/>
+            <p:cNvCxnSpPr/>
+            <p:nvPr/>
+          </p:nvCxnSpPr>
+          <p:spPr>
+            <a:xfrm>
+              <a:off x="1447800" y="2057400"/>
+              <a:ext cx="0" cy="1943100"/>
+            </a:xfrm>
+            <a:prstGeom prst="line">
+              <a:avLst/>
+            </a:prstGeom>
+            <a:solidFill>
+              <a:schemeClr val="accent6">
+                <a:lumMod val="50000"/>
+              </a:schemeClr>
+            </a:solidFill>
+            <a:ln>
+              <a:solidFill>
+                <a:schemeClr val="tx1">
+                  <a:lumMod val="65000"/>
+                  <a:lumOff val="35000"/>
+                </a:schemeClr>
+              </a:solidFill>
+            </a:ln>
+          </p:spPr>
+          <p:style>
+            <a:lnRef idx="2">
+              <a:schemeClr val="accent1">
+                <a:shade val="50000"/>
+              </a:schemeClr>
+            </a:lnRef>
+            <a:fillRef idx="1">
+              <a:schemeClr val="accent1"/>
+            </a:fillRef>
+            <a:effectRef idx="0">
+              <a:schemeClr val="accent1"/>
+            </a:effectRef>
+            <a:fontRef idx="minor">
+              <a:schemeClr val="lt1"/>
+            </a:fontRef>
+          </p:style>
+        </p:cxnSp>
+      </p:grpSp>
+      <p:grpSp>
+        <p:nvGrpSpPr>
+          <p:cNvPr id="21" name="Group 20"/>
+          <p:cNvGrpSpPr/>
+          <p:nvPr/>
+        </p:nvGrpSpPr>
+        <p:grpSpPr>
+          <a:xfrm>
+            <a:off x="718458" y="1620162"/>
+            <a:ext cx="685800" cy="2324100"/>
+            <a:chOff x="762000" y="1866900"/>
+            <a:chExt cx="685800" cy="2324100"/>
+          </a:xfrm>
+        </p:grpSpPr>
+        <p:sp>
+          <p:nvSpPr>
+            <p:cNvPr id="4" name="Oval 3"/>
+            <p:cNvSpPr/>
+            <p:nvPr/>
+          </p:nvSpPr>
+          <p:spPr>
+            <a:xfrm>
+              <a:off x="762000" y="3810000"/>
+              <a:ext cx="685800" cy="381000"/>
+            </a:xfrm>
+            <a:prstGeom prst="ellipse">
+              <a:avLst/>
+            </a:prstGeom>
+            <a:solidFill>
+              <a:schemeClr val="accent6">
+                <a:lumMod val="50000"/>
+              </a:schemeClr>
+            </a:solidFill>
+            <a:ln>
+              <a:solidFill>
+                <a:schemeClr val="tx1">
+                  <a:lumMod val="65000"/>
+                  <a:lumOff val="35000"/>
+                </a:schemeClr>
+              </a:solidFill>
+            </a:ln>
+          </p:spPr>
+          <p:style>
+            <a:lnRef idx="2">
+              <a:schemeClr val="accent1">
+                <a:shade val="50000"/>
+              </a:schemeClr>
+            </a:lnRef>
+            <a:fillRef idx="1">
+              <a:schemeClr val="accent1"/>
+            </a:fillRef>
+            <a:effectRef idx="0">
+              <a:schemeClr val="accent1"/>
+            </a:effectRef>
+            <a:fontRef idx="minor">
+              <a:schemeClr val="lt1"/>
+            </a:fontRef>
+          </p:style>
+          <p:txBody>
+            <a:bodyPr rtlCol="0" anchor="ctr"/>
+            <a:lstStyle/>
+            <a:p>
+              <a:pPr algn="ctr"/>
+              <a:endParaRPr lang="en-US"/>
+            </a:p>
+          </p:txBody>
+        </p:sp>
+        <p:sp>
+          <p:nvSpPr>
+            <p:cNvPr id="3" name="Rectangle 2"/>
+            <p:cNvSpPr/>
+            <p:nvPr/>
+          </p:nvSpPr>
+          <p:spPr>
+            <a:xfrm>
+              <a:off x="762000" y="2057400"/>
+              <a:ext cx="685800" cy="1943100"/>
+            </a:xfrm>
+            <a:prstGeom prst="rect">
+              <a:avLst/>
+            </a:prstGeom>
+            <a:solidFill>
+              <a:schemeClr val="accent6">
+                <a:lumMod val="50000"/>
+              </a:schemeClr>
+            </a:solidFill>
+            <a:ln>
+              <a:noFill/>
+            </a:ln>
+          </p:spPr>
+          <p:style>
+            <a:lnRef idx="2">
+              <a:schemeClr val="accent1">
+                <a:shade val="50000"/>
+              </a:schemeClr>
+            </a:lnRef>
+            <a:fillRef idx="1">
+              <a:schemeClr val="accent1"/>
+            </a:fillRef>
+            <a:effectRef idx="0">
+              <a:schemeClr val="accent1"/>
+            </a:effectRef>
+            <a:fontRef idx="minor">
+              <a:schemeClr val="lt1"/>
+            </a:fontRef>
+          </p:style>
+          <p:txBody>
+            <a:bodyPr rtlCol="0" anchor="ctr"/>
+            <a:lstStyle/>
+            <a:p>
+              <a:pPr algn="ctr"/>
+              <a:endParaRPr lang="en-US"/>
+            </a:p>
+          </p:txBody>
+        </p:sp>
+        <p:sp>
+          <p:nvSpPr>
+            <p:cNvPr id="2" name="Oval 1"/>
+            <p:cNvSpPr/>
+            <p:nvPr/>
+          </p:nvSpPr>
+          <p:spPr>
+            <a:xfrm>
+              <a:off x="762000" y="1866900"/>
+              <a:ext cx="685800" cy="381000"/>
+            </a:xfrm>
+            <a:prstGeom prst="ellipse">
+              <a:avLst/>
+            </a:prstGeom>
+            <a:solidFill>
+              <a:schemeClr val="accent6">
+                <a:lumMod val="50000"/>
+              </a:schemeClr>
+            </a:solidFill>
+            <a:ln>
+              <a:solidFill>
+                <a:schemeClr val="tx1">
+                  <a:lumMod val="65000"/>
+                  <a:lumOff val="35000"/>
+                </a:schemeClr>
+              </a:solidFill>
+            </a:ln>
+          </p:spPr>
+          <p:style>
+            <a:lnRef idx="2">
+              <a:schemeClr val="accent1">
+                <a:shade val="50000"/>
+              </a:schemeClr>
+            </a:lnRef>
+            <a:fillRef idx="1">
+              <a:schemeClr val="accent1"/>
+            </a:fillRef>
+            <a:effectRef idx="0">
+              <a:schemeClr val="accent1"/>
+            </a:effectRef>
+            <a:fontRef idx="minor">
+              <a:schemeClr val="lt1"/>
+            </a:fontRef>
+          </p:style>
+          <p:txBody>
+            <a:bodyPr rtlCol="0" anchor="ctr"/>
+            <a:lstStyle/>
+            <a:p>
+              <a:pPr algn="ctr"/>
+              <a:endParaRPr lang="en-US"/>
+            </a:p>
+          </p:txBody>
+        </p:sp>
+        <p:cxnSp>
+          <p:nvCxnSpPr>
+            <p:cNvPr id="19" name="Straight Connector 18"/>
+            <p:cNvCxnSpPr/>
+            <p:nvPr/>
+          </p:nvCxnSpPr>
+          <p:spPr>
+            <a:xfrm>
+              <a:off x="762000" y="2057400"/>
+              <a:ext cx="0" cy="1943100"/>
+            </a:xfrm>
+            <a:prstGeom prst="line">
+              <a:avLst/>
+            </a:prstGeom>
+            <a:solidFill>
+              <a:schemeClr val="accent6">
+                <a:lumMod val="50000"/>
+              </a:schemeClr>
+            </a:solidFill>
+            <a:ln>
+              <a:solidFill>
+                <a:schemeClr val="tx1">
+                  <a:lumMod val="65000"/>
+                  <a:lumOff val="35000"/>
+                </a:schemeClr>
+              </a:solidFill>
+            </a:ln>
+          </p:spPr>
+          <p:style>
+            <a:lnRef idx="2">
+              <a:schemeClr val="accent1">
+                <a:shade val="50000"/>
+              </a:schemeClr>
+            </a:lnRef>
+            <a:fillRef idx="1">
+              <a:schemeClr val="accent1"/>
+            </a:fillRef>
+            <a:effectRef idx="0">
+              <a:schemeClr val="accent1"/>
+            </a:effectRef>
+            <a:fontRef idx="minor">
+              <a:schemeClr val="lt1"/>
+            </a:fontRef>
+          </p:style>
+        </p:cxnSp>
+        <p:cxnSp>
+          <p:nvCxnSpPr>
+            <p:cNvPr id="20" name="Straight Connector 19"/>
+            <p:cNvCxnSpPr/>
+            <p:nvPr/>
+          </p:nvCxnSpPr>
+          <p:spPr>
+            <a:xfrm>
+              <a:off x="1447800" y="2057400"/>
+              <a:ext cx="0" cy="1943100"/>
+            </a:xfrm>
+            <a:prstGeom prst="line">
+              <a:avLst/>
+            </a:prstGeom>
+            <a:solidFill>
+              <a:schemeClr val="accent6">
+                <a:lumMod val="50000"/>
+              </a:schemeClr>
+            </a:solidFill>
+            <a:ln>
+              <a:solidFill>
+                <a:schemeClr val="tx1">
+                  <a:lumMod val="65000"/>
+                  <a:lumOff val="35000"/>
+                </a:schemeClr>
+              </a:solidFill>
+            </a:ln>
+          </p:spPr>
+          <p:style>
+            <a:lnRef idx="2">
+              <a:schemeClr val="accent1">
+                <a:shade val="50000"/>
+              </a:schemeClr>
+            </a:lnRef>
+            <a:fillRef idx="1">
+              <a:schemeClr val="accent1"/>
+            </a:fillRef>
+            <a:effectRef idx="0">
+              <a:schemeClr val="accent1"/>
+            </a:effectRef>
+            <a:fontRef idx="minor">
+              <a:schemeClr val="lt1"/>
+            </a:fontRef>
+          </p:style>
+        </p:cxnSp>
+      </p:grpSp>
+      <p:grpSp>
+        <p:nvGrpSpPr>
+          <p:cNvPr id="22" name="Group 21"/>
+          <p:cNvGrpSpPr/>
+          <p:nvPr/>
+        </p:nvGrpSpPr>
+        <p:grpSpPr>
+          <a:xfrm>
+            <a:off x="1981200" y="1238250"/>
+            <a:ext cx="685800" cy="2324100"/>
+            <a:chOff x="762000" y="1866900"/>
+            <a:chExt cx="685800" cy="2324100"/>
+          </a:xfrm>
+        </p:grpSpPr>
+        <p:sp>
+          <p:nvSpPr>
+            <p:cNvPr id="23" name="Oval 22"/>
+            <p:cNvSpPr/>
+            <p:nvPr/>
+          </p:nvSpPr>
+          <p:spPr>
+            <a:xfrm>
+              <a:off x="762000" y="3810000"/>
+              <a:ext cx="685800" cy="381000"/>
+            </a:xfrm>
+            <a:prstGeom prst="ellipse">
+              <a:avLst/>
+            </a:prstGeom>
+            <a:solidFill>
+              <a:schemeClr val="accent6">
+                <a:lumMod val="50000"/>
+              </a:schemeClr>
+            </a:solidFill>
+            <a:ln>
+              <a:solidFill>
+                <a:schemeClr val="tx1">
+                  <a:lumMod val="65000"/>
+                  <a:lumOff val="35000"/>
+                </a:schemeClr>
+              </a:solidFill>
+            </a:ln>
+          </p:spPr>
+          <p:style>
+            <a:lnRef idx="2">
+              <a:schemeClr val="accent1">
+                <a:shade val="50000"/>
+              </a:schemeClr>
+            </a:lnRef>
+            <a:fillRef idx="1">
+              <a:schemeClr val="accent1"/>
+            </a:fillRef>
+            <a:effectRef idx="0">
+              <a:schemeClr val="accent1"/>
+            </a:effectRef>
+            <a:fontRef idx="minor">
+              <a:schemeClr val="lt1"/>
+            </a:fontRef>
+          </p:style>
+          <p:txBody>
+            <a:bodyPr rtlCol="0" anchor="ctr"/>
+            <a:lstStyle/>
+            <a:p>
+              <a:pPr algn="ctr"/>
+              <a:endParaRPr lang="en-US"/>
+            </a:p>
+          </p:txBody>
+        </p:sp>
+        <p:sp>
+          <p:nvSpPr>
+            <p:cNvPr id="24" name="Rectangle 23"/>
+            <p:cNvSpPr/>
+            <p:nvPr/>
+          </p:nvSpPr>
+          <p:spPr>
+            <a:xfrm>
+              <a:off x="762000" y="2057400"/>
+              <a:ext cx="685800" cy="1943100"/>
+            </a:xfrm>
+            <a:prstGeom prst="rect">
+              <a:avLst/>
+            </a:prstGeom>
+            <a:solidFill>
+              <a:schemeClr val="accent6">
+                <a:lumMod val="50000"/>
+              </a:schemeClr>
+            </a:solidFill>
+            <a:ln>
+              <a:noFill/>
+            </a:ln>
+          </p:spPr>
+          <p:style>
+            <a:lnRef idx="2">
+              <a:schemeClr val="accent1">
+                <a:shade val="50000"/>
+              </a:schemeClr>
+            </a:lnRef>
+            <a:fillRef idx="1">
+              <a:schemeClr val="accent1"/>
+            </a:fillRef>
+            <a:effectRef idx="0">
+              <a:schemeClr val="accent1"/>
+            </a:effectRef>
+            <a:fontRef idx="minor">
+              <a:schemeClr val="lt1"/>
+            </a:fontRef>
+          </p:style>
+          <p:txBody>
+            <a:bodyPr rtlCol="0" anchor="ctr"/>
+            <a:lstStyle/>
+            <a:p>
+              <a:pPr algn="ctr"/>
+              <a:endParaRPr lang="en-US"/>
+            </a:p>
+          </p:txBody>
+        </p:sp>
+        <p:sp>
+          <p:nvSpPr>
+            <p:cNvPr id="25" name="Oval 24"/>
+            <p:cNvSpPr/>
+            <p:nvPr/>
+          </p:nvSpPr>
+          <p:spPr>
+            <a:xfrm>
+              <a:off x="762000" y="1866900"/>
+              <a:ext cx="685800" cy="381000"/>
+            </a:xfrm>
+            <a:prstGeom prst="ellipse">
+              <a:avLst/>
+            </a:prstGeom>
+            <a:solidFill>
+              <a:schemeClr val="accent6">
+                <a:lumMod val="50000"/>
+              </a:schemeClr>
+            </a:solidFill>
+            <a:ln>
+              <a:solidFill>
+                <a:schemeClr val="tx1">
+                  <a:lumMod val="65000"/>
+                  <a:lumOff val="35000"/>
+                </a:schemeClr>
+              </a:solidFill>
+            </a:ln>
+          </p:spPr>
+          <p:style>
+            <a:lnRef idx="2">
+              <a:schemeClr val="accent1">
+                <a:shade val="50000"/>
+              </a:schemeClr>
+            </a:lnRef>
+            <a:fillRef idx="1">
+              <a:schemeClr val="accent1"/>
+            </a:fillRef>
+            <a:effectRef idx="0">
+              <a:schemeClr val="accent1"/>
+            </a:effectRef>
+            <a:fontRef idx="minor">
+              <a:schemeClr val="lt1"/>
+            </a:fontRef>
+          </p:style>
+          <p:txBody>
+            <a:bodyPr rtlCol="0" anchor="ctr"/>
+            <a:lstStyle/>
+            <a:p>
+              <a:pPr algn="ctr"/>
+              <a:endParaRPr lang="en-US"/>
+            </a:p>
+          </p:txBody>
+        </p:sp>
+        <p:cxnSp>
+          <p:nvCxnSpPr>
+            <p:cNvPr id="26" name="Straight Connector 25"/>
+            <p:cNvCxnSpPr/>
+            <p:nvPr/>
+          </p:nvCxnSpPr>
+          <p:spPr>
+            <a:xfrm>
+              <a:off x="762000" y="2057400"/>
+              <a:ext cx="0" cy="1943100"/>
+            </a:xfrm>
+            <a:prstGeom prst="line">
+              <a:avLst/>
+            </a:prstGeom>
+            <a:solidFill>
+              <a:schemeClr val="accent6">
+                <a:lumMod val="50000"/>
+              </a:schemeClr>
+            </a:solidFill>
+            <a:ln>
+              <a:solidFill>
+                <a:schemeClr val="tx1">
+                  <a:lumMod val="65000"/>
+                  <a:lumOff val="35000"/>
+                </a:schemeClr>
+              </a:solidFill>
+            </a:ln>
+          </p:spPr>
+          <p:style>
+            <a:lnRef idx="2">
+              <a:schemeClr val="accent1">
+                <a:shade val="50000"/>
+              </a:schemeClr>
+            </a:lnRef>
+            <a:fillRef idx="1">
+              <a:schemeClr val="accent1"/>
+            </a:fillRef>
+            <a:effectRef idx="0">
+              <a:schemeClr val="accent1"/>
+            </a:effectRef>
+            <a:fontRef idx="minor">
+              <a:schemeClr val="lt1"/>
+            </a:fontRef>
+          </p:style>
+        </p:cxnSp>
+        <p:cxnSp>
+          <p:nvCxnSpPr>
+            <p:cNvPr id="27" name="Straight Connector 26"/>
+            <p:cNvCxnSpPr/>
+            <p:nvPr/>
+          </p:nvCxnSpPr>
+          <p:spPr>
+            <a:xfrm>
+              <a:off x="1447800" y="2057400"/>
+              <a:ext cx="0" cy="1943100"/>
+            </a:xfrm>
+            <a:prstGeom prst="line">
+              <a:avLst/>
+            </a:prstGeom>
+            <a:solidFill>
+              <a:schemeClr val="accent6">
+                <a:lumMod val="50000"/>
+              </a:schemeClr>
+            </a:solidFill>
+            <a:ln>
+              <a:solidFill>
+                <a:schemeClr val="tx1">
+                  <a:lumMod val="65000"/>
+                  <a:lumOff val="35000"/>
+                </a:schemeClr>
+              </a:solidFill>
+            </a:ln>
+          </p:spPr>
+          <p:style>
+            <a:lnRef idx="2">
+              <a:schemeClr val="accent1">
+                <a:shade val="50000"/>
+              </a:schemeClr>
+            </a:lnRef>
+            <a:fillRef idx="1">
+              <a:schemeClr val="accent1"/>
+            </a:fillRef>
+            <a:effectRef idx="0">
+              <a:schemeClr val="accent1"/>
+            </a:effectRef>
+            <a:fontRef idx="minor">
+              <a:schemeClr val="lt1"/>
+            </a:fontRef>
+          </p:style>
+        </p:cxnSp>
+      </p:grpSp>
+      <p:grpSp>
+        <p:nvGrpSpPr>
+          <p:cNvPr id="28" name="Group 27"/>
+          <p:cNvGrpSpPr/>
+          <p:nvPr/>
+        </p:nvGrpSpPr>
+        <p:grpSpPr>
+          <a:xfrm>
+            <a:off x="1997529" y="1628319"/>
+            <a:ext cx="685800" cy="2324100"/>
+            <a:chOff x="762000" y="1866900"/>
+            <a:chExt cx="685800" cy="2324100"/>
+          </a:xfrm>
+        </p:grpSpPr>
+        <p:sp>
+          <p:nvSpPr>
+            <p:cNvPr id="29" name="Oval 28"/>
+            <p:cNvSpPr/>
+            <p:nvPr/>
+          </p:nvSpPr>
+          <p:spPr>
+            <a:xfrm>
+              <a:off x="762000" y="3810000"/>
+              <a:ext cx="685800" cy="381000"/>
+            </a:xfrm>
+            <a:prstGeom prst="ellipse">
+              <a:avLst/>
+            </a:prstGeom>
+            <a:solidFill>
+              <a:schemeClr val="accent6">
+                <a:lumMod val="50000"/>
+              </a:schemeClr>
+            </a:solidFill>
+            <a:ln>
+              <a:solidFill>
+                <a:schemeClr val="tx1">
+                  <a:lumMod val="65000"/>
+                  <a:lumOff val="35000"/>
+                </a:schemeClr>
+              </a:solidFill>
+            </a:ln>
+          </p:spPr>
+          <p:style>
+            <a:lnRef idx="2">
+              <a:schemeClr val="accent1">
+                <a:shade val="50000"/>
+              </a:schemeClr>
+            </a:lnRef>
+            <a:fillRef idx="1">
+              <a:schemeClr val="accent1"/>
+            </a:fillRef>
+            <a:effectRef idx="0">
+              <a:schemeClr val="accent1"/>
+            </a:effectRef>
+            <a:fontRef idx="minor">
+              <a:schemeClr val="lt1"/>
+            </a:fontRef>
+          </p:style>
+          <p:txBody>
+            <a:bodyPr rtlCol="0" anchor="ctr"/>
+            <a:lstStyle/>
+            <a:p>
+              <a:pPr algn="ctr"/>
+              <a:endParaRPr lang="en-US"/>
+            </a:p>
+          </p:txBody>
+        </p:sp>
+        <p:sp>
+          <p:nvSpPr>
+            <p:cNvPr id="30" name="Rectangle 29"/>
+            <p:cNvSpPr/>
+            <p:nvPr/>
+          </p:nvSpPr>
+          <p:spPr>
+            <a:xfrm>
+              <a:off x="762000" y="2057400"/>
+              <a:ext cx="685800" cy="1943100"/>
+            </a:xfrm>
+            <a:prstGeom prst="rect">
+              <a:avLst/>
+            </a:prstGeom>
+            <a:solidFill>
+              <a:schemeClr val="accent6">
+                <a:lumMod val="50000"/>
+              </a:schemeClr>
+            </a:solidFill>
+            <a:ln>
+              <a:noFill/>
+            </a:ln>
+          </p:spPr>
+          <p:style>
+            <a:lnRef idx="2">
+              <a:schemeClr val="accent1">
+                <a:shade val="50000"/>
+              </a:schemeClr>
+            </a:lnRef>
+            <a:fillRef idx="1">
+              <a:schemeClr val="accent1"/>
+            </a:fillRef>
+            <a:effectRef idx="0">
+              <a:schemeClr val="accent1"/>
+            </a:effectRef>
+            <a:fontRef idx="minor">
+              <a:schemeClr val="lt1"/>
+            </a:fontRef>
+          </p:style>
+          <p:txBody>
+            <a:bodyPr rtlCol="0" anchor="ctr"/>
+            <a:lstStyle/>
+            <a:p>
+              <a:pPr algn="ctr"/>
+              <a:endParaRPr lang="en-US"/>
+            </a:p>
+          </p:txBody>
+        </p:sp>
+        <p:sp>
+          <p:nvSpPr>
+            <p:cNvPr id="31" name="Oval 30"/>
+            <p:cNvSpPr/>
+            <p:nvPr/>
+          </p:nvSpPr>
+          <p:spPr>
+            <a:xfrm>
+              <a:off x="762000" y="1866900"/>
+              <a:ext cx="685800" cy="381000"/>
+            </a:xfrm>
+            <a:prstGeom prst="ellipse">
+              <a:avLst/>
+            </a:prstGeom>
+            <a:solidFill>
+              <a:schemeClr val="accent6">
+                <a:lumMod val="50000"/>
+              </a:schemeClr>
+            </a:solidFill>
+            <a:ln>
+              <a:solidFill>
+                <a:schemeClr val="tx1">
+                  <a:lumMod val="65000"/>
+                  <a:lumOff val="35000"/>
+                </a:schemeClr>
+              </a:solidFill>
+            </a:ln>
+          </p:spPr>
+          <p:style>
+            <a:lnRef idx="2">
+              <a:schemeClr val="accent1">
+                <a:shade val="50000"/>
+              </a:schemeClr>
+            </a:lnRef>
+            <a:fillRef idx="1">
+              <a:schemeClr val="accent1"/>
+            </a:fillRef>
+            <a:effectRef idx="0">
+              <a:schemeClr val="accent1"/>
+            </a:effectRef>
+            <a:fontRef idx="minor">
+              <a:schemeClr val="lt1"/>
+            </a:fontRef>
+          </p:style>
+          <p:txBody>
+            <a:bodyPr rtlCol="0" anchor="ctr"/>
+            <a:lstStyle/>
+            <a:p>
+              <a:pPr algn="ctr"/>
+              <a:endParaRPr lang="en-US"/>
+            </a:p>
+          </p:txBody>
+        </p:sp>
+        <p:cxnSp>
+          <p:nvCxnSpPr>
+            <p:cNvPr id="32" name="Straight Connector 31"/>
+            <p:cNvCxnSpPr/>
+            <p:nvPr/>
+          </p:nvCxnSpPr>
+          <p:spPr>
+            <a:xfrm>
+              <a:off x="762000" y="2057400"/>
+              <a:ext cx="0" cy="1943100"/>
+            </a:xfrm>
+            <a:prstGeom prst="line">
+              <a:avLst/>
+            </a:prstGeom>
+            <a:solidFill>
+              <a:schemeClr val="accent6">
+                <a:lumMod val="50000"/>
+              </a:schemeClr>
+            </a:solidFill>
+            <a:ln>
+              <a:solidFill>
+                <a:schemeClr val="tx1">
+                  <a:lumMod val="65000"/>
+                  <a:lumOff val="35000"/>
+                </a:schemeClr>
+              </a:solidFill>
+            </a:ln>
+          </p:spPr>
+          <p:style>
+            <a:lnRef idx="2">
+              <a:schemeClr val="accent1">
+                <a:shade val="50000"/>
+              </a:schemeClr>
+            </a:lnRef>
+            <a:fillRef idx="1">
+              <a:schemeClr val="accent1"/>
+            </a:fillRef>
+            <a:effectRef idx="0">
+              <a:schemeClr val="accent1"/>
+            </a:effectRef>
+            <a:fontRef idx="minor">
+              <a:schemeClr val="lt1"/>
+            </a:fontRef>
+          </p:style>
+        </p:cxnSp>
+        <p:cxnSp>
+          <p:nvCxnSpPr>
+            <p:cNvPr id="33" name="Straight Connector 32"/>
+            <p:cNvCxnSpPr/>
+            <p:nvPr/>
+          </p:nvCxnSpPr>
+          <p:spPr>
+            <a:xfrm>
+              <a:off x="1447800" y="2057400"/>
+              <a:ext cx="0" cy="1943100"/>
+            </a:xfrm>
+            <a:prstGeom prst="line">
+              <a:avLst/>
+            </a:prstGeom>
+            <a:solidFill>
+              <a:schemeClr val="accent6">
+                <a:lumMod val="50000"/>
+              </a:schemeClr>
+            </a:solidFill>
+            <a:ln>
+              <a:solidFill>
+                <a:schemeClr val="tx1">
+                  <a:lumMod val="65000"/>
+                  <a:lumOff val="35000"/>
+                </a:schemeClr>
+              </a:solidFill>
+            </a:ln>
+          </p:spPr>
+          <p:style>
+            <a:lnRef idx="2">
+              <a:schemeClr val="accent1">
+                <a:shade val="50000"/>
+              </a:schemeClr>
+            </a:lnRef>
+            <a:fillRef idx="1">
+              <a:schemeClr val="accent1"/>
+            </a:fillRef>
+            <a:effectRef idx="0">
+              <a:schemeClr val="accent1"/>
+            </a:effectRef>
+            <a:fontRef idx="minor">
+              <a:schemeClr val="lt1"/>
+            </a:fontRef>
+          </p:style>
+        </p:cxnSp>
+      </p:grpSp>
+      <p:grpSp>
+        <p:nvGrpSpPr>
+          <p:cNvPr id="34" name="Group 33"/>
+          <p:cNvGrpSpPr/>
+          <p:nvPr/>
+        </p:nvGrpSpPr>
+        <p:grpSpPr>
+          <a:xfrm>
+            <a:off x="2013858" y="1997526"/>
+            <a:ext cx="685800" cy="2324100"/>
+            <a:chOff x="762000" y="1866900"/>
+            <a:chExt cx="685800" cy="2324100"/>
+          </a:xfrm>
+        </p:grpSpPr>
+        <p:sp>
+          <p:nvSpPr>
+            <p:cNvPr id="35" name="Oval 34"/>
+            <p:cNvSpPr/>
+            <p:nvPr/>
+          </p:nvSpPr>
+          <p:spPr>
+            <a:xfrm>
+              <a:off x="762000" y="3810000"/>
+              <a:ext cx="685800" cy="381000"/>
+            </a:xfrm>
+            <a:prstGeom prst="ellipse">
+              <a:avLst/>
+            </a:prstGeom>
+            <a:solidFill>
+              <a:schemeClr val="accent6">
+                <a:lumMod val="50000"/>
+              </a:schemeClr>
+            </a:solidFill>
+            <a:ln>
+              <a:solidFill>
+                <a:schemeClr val="tx1">
+                  <a:lumMod val="65000"/>
+                  <a:lumOff val="35000"/>
+                </a:schemeClr>
+              </a:solidFill>
+            </a:ln>
+          </p:spPr>
+          <p:style>
+            <a:lnRef idx="2">
+              <a:schemeClr val="accent1">
+                <a:shade val="50000"/>
+              </a:schemeClr>
+            </a:lnRef>
+            <a:fillRef idx="1">
+              <a:schemeClr val="accent1"/>
+            </a:fillRef>
+            <a:effectRef idx="0">
+              <a:schemeClr val="accent1"/>
+            </a:effectRef>
+            <a:fontRef idx="minor">
+              <a:schemeClr val="lt1"/>
+            </a:fontRef>
+          </p:style>
+          <p:txBody>
+            <a:bodyPr rtlCol="0" anchor="ctr"/>
+            <a:lstStyle/>
+            <a:p>
+              <a:pPr algn="ctr"/>
+              <a:endParaRPr lang="en-US"/>
+            </a:p>
+          </p:txBody>
+        </p:sp>
+        <p:sp>
+          <p:nvSpPr>
+            <p:cNvPr id="36" name="Rectangle 35"/>
+            <p:cNvSpPr/>
+            <p:nvPr/>
+          </p:nvSpPr>
+          <p:spPr>
+            <a:xfrm>
+              <a:off x="762000" y="2057400"/>
+              <a:ext cx="685800" cy="1943100"/>
+            </a:xfrm>
+            <a:prstGeom prst="rect">
+              <a:avLst/>
+            </a:prstGeom>
+            <a:solidFill>
+              <a:schemeClr val="accent6">
+                <a:lumMod val="50000"/>
+              </a:schemeClr>
+            </a:solidFill>
+            <a:ln>
+              <a:noFill/>
+            </a:ln>
+          </p:spPr>
+          <p:style>
+            <a:lnRef idx="2">
+              <a:schemeClr val="accent1">
+                <a:shade val="50000"/>
+              </a:schemeClr>
+            </a:lnRef>
+            <a:fillRef idx="1">
+              <a:schemeClr val="accent1"/>
+            </a:fillRef>
+            <a:effectRef idx="0">
+              <a:schemeClr val="accent1"/>
+            </a:effectRef>
+            <a:fontRef idx="minor">
+              <a:schemeClr val="lt1"/>
+            </a:fontRef>
+          </p:style>
+          <p:txBody>
+            <a:bodyPr rtlCol="0" anchor="ctr"/>
+            <a:lstStyle/>
+            <a:p>
+              <a:pPr algn="ctr"/>
+              <a:endParaRPr lang="en-US"/>
+            </a:p>
+          </p:txBody>
+        </p:sp>
+        <p:sp>
+          <p:nvSpPr>
+            <p:cNvPr id="37" name="Oval 36"/>
+            <p:cNvSpPr/>
+            <p:nvPr/>
+          </p:nvSpPr>
+          <p:spPr>
+            <a:xfrm>
+              <a:off x="762000" y="1866900"/>
+              <a:ext cx="685800" cy="381000"/>
+            </a:xfrm>
+            <a:prstGeom prst="ellipse">
+              <a:avLst/>
+            </a:prstGeom>
+            <a:solidFill>
+              <a:schemeClr val="accent6">
+                <a:lumMod val="50000"/>
+              </a:schemeClr>
+            </a:solidFill>
+            <a:ln>
+              <a:solidFill>
+                <a:schemeClr val="tx1">
+                  <a:lumMod val="65000"/>
+                  <a:lumOff val="35000"/>
+                </a:schemeClr>
+              </a:solidFill>
+            </a:ln>
+          </p:spPr>
+          <p:style>
+            <a:lnRef idx="2">
+              <a:schemeClr val="accent1">
+                <a:shade val="50000"/>
+              </a:schemeClr>
+            </a:lnRef>
+            <a:fillRef idx="1">
+              <a:schemeClr val="accent1"/>
+            </a:fillRef>
+            <a:effectRef idx="0">
+              <a:schemeClr val="accent1"/>
+            </a:effectRef>
+            <a:fontRef idx="minor">
+              <a:schemeClr val="lt1"/>
+            </a:fontRef>
+          </p:style>
+          <p:txBody>
+            <a:bodyPr rtlCol="0" anchor="ctr"/>
+            <a:lstStyle/>
+            <a:p>
+              <a:pPr algn="ctr"/>
+              <a:endParaRPr lang="en-US"/>
+            </a:p>
+          </p:txBody>
+        </p:sp>
+        <p:cxnSp>
+          <p:nvCxnSpPr>
+            <p:cNvPr id="38" name="Straight Connector 37"/>
+            <p:cNvCxnSpPr/>
+            <p:nvPr/>
+          </p:nvCxnSpPr>
+          <p:spPr>
+            <a:xfrm>
+              <a:off x="762000" y="2057400"/>
+              <a:ext cx="0" cy="1943100"/>
+            </a:xfrm>
+            <a:prstGeom prst="line">
+              <a:avLst/>
+            </a:prstGeom>
+            <a:solidFill>
+              <a:schemeClr val="accent6">
+                <a:lumMod val="50000"/>
+              </a:schemeClr>
+            </a:solidFill>
+            <a:ln>
+              <a:solidFill>
+                <a:schemeClr val="tx1">
+                  <a:lumMod val="65000"/>
+                  <a:lumOff val="35000"/>
+                </a:schemeClr>
+              </a:solidFill>
+            </a:ln>
+          </p:spPr>
+          <p:style>
+            <a:lnRef idx="2">
+              <a:schemeClr val="accent1">
+                <a:shade val="50000"/>
+              </a:schemeClr>
+            </a:lnRef>
+            <a:fillRef idx="1">
+              <a:schemeClr val="accent1"/>
+            </a:fillRef>
+            <a:effectRef idx="0">
+              <a:schemeClr val="accent1"/>
+            </a:effectRef>
+            <a:fontRef idx="minor">
+              <a:schemeClr val="lt1"/>
+            </a:fontRef>
+          </p:style>
+        </p:cxnSp>
+        <p:cxnSp>
+          <p:nvCxnSpPr>
+            <p:cNvPr id="39" name="Straight Connector 38"/>
+            <p:cNvCxnSpPr/>
+            <p:nvPr/>
+          </p:nvCxnSpPr>
+          <p:spPr>
+            <a:xfrm>
+              <a:off x="1447800" y="2057400"/>
+              <a:ext cx="0" cy="1943100"/>
+            </a:xfrm>
+            <a:prstGeom prst="line">
+              <a:avLst/>
+            </a:prstGeom>
+            <a:solidFill>
+              <a:schemeClr val="accent6">
+                <a:lumMod val="50000"/>
+              </a:schemeClr>
+            </a:solidFill>
+            <a:ln>
+              <a:solidFill>
+                <a:schemeClr val="tx1">
+                  <a:lumMod val="65000"/>
+                  <a:lumOff val="35000"/>
+                </a:schemeClr>
+              </a:solidFill>
+            </a:ln>
+          </p:spPr>
+          <p:style>
+            <a:lnRef idx="2">
+              <a:schemeClr val="accent1">
+                <a:shade val="50000"/>
+              </a:schemeClr>
+            </a:lnRef>
+            <a:fillRef idx="1">
+              <a:schemeClr val="accent1"/>
+            </a:fillRef>
+            <a:effectRef idx="0">
+              <a:schemeClr val="accent1"/>
+            </a:effectRef>
+            <a:fontRef idx="minor">
+              <a:schemeClr val="lt1"/>
+            </a:fontRef>
+          </p:style>
+        </p:cxnSp>
+      </p:grpSp>
+      <p:grpSp>
+        <p:nvGrpSpPr>
+          <p:cNvPr id="40" name="Group 39"/>
+          <p:cNvGrpSpPr/>
+          <p:nvPr/>
+        </p:nvGrpSpPr>
+        <p:grpSpPr>
+          <a:xfrm>
+            <a:off x="1335312" y="1815183"/>
+            <a:ext cx="685800" cy="2324100"/>
+            <a:chOff x="762000" y="1866900"/>
+            <a:chExt cx="685800" cy="2324100"/>
+          </a:xfrm>
+        </p:grpSpPr>
+        <p:sp>
+          <p:nvSpPr>
+            <p:cNvPr id="41" name="Oval 40"/>
+            <p:cNvSpPr/>
+            <p:nvPr/>
+          </p:nvSpPr>
+          <p:spPr>
+            <a:xfrm>
+              <a:off x="762000" y="3810000"/>
+              <a:ext cx="685800" cy="381000"/>
+            </a:xfrm>
+            <a:prstGeom prst="ellipse">
+              <a:avLst/>
+            </a:prstGeom>
+            <a:solidFill>
+              <a:schemeClr val="accent6">
+                <a:lumMod val="50000"/>
+              </a:schemeClr>
+            </a:solidFill>
+            <a:ln>
+              <a:solidFill>
+                <a:schemeClr val="tx1">
+                  <a:lumMod val="65000"/>
+                  <a:lumOff val="35000"/>
+                </a:schemeClr>
+              </a:solidFill>
+            </a:ln>
+          </p:spPr>
+          <p:style>
+            <a:lnRef idx="2">
+              <a:schemeClr val="accent1">
+                <a:shade val="50000"/>
+              </a:schemeClr>
+            </a:lnRef>
+            <a:fillRef idx="1">
+              <a:schemeClr val="accent1"/>
+            </a:fillRef>
+            <a:effectRef idx="0">
+              <a:schemeClr val="accent1"/>
+            </a:effectRef>
+            <a:fontRef idx="minor">
+              <a:schemeClr val="lt1"/>
+            </a:fontRef>
+          </p:style>
+          <p:txBody>
+            <a:bodyPr rtlCol="0" anchor="ctr"/>
+            <a:lstStyle/>
+            <a:p>
+              <a:pPr algn="ctr"/>
+              <a:endParaRPr lang="en-US"/>
+            </a:p>
+          </p:txBody>
+        </p:sp>
+        <p:sp>
+          <p:nvSpPr>
+            <p:cNvPr id="42" name="Rectangle 41"/>
+            <p:cNvSpPr/>
+            <p:nvPr/>
+          </p:nvSpPr>
+          <p:spPr>
+            <a:xfrm>
+              <a:off x="762000" y="2057400"/>
+              <a:ext cx="685800" cy="1943100"/>
+            </a:xfrm>
+            <a:prstGeom prst="rect">
+              <a:avLst/>
+            </a:prstGeom>
+            <a:solidFill>
+              <a:schemeClr val="accent6">
+                <a:lumMod val="50000"/>
+              </a:schemeClr>
+            </a:solidFill>
+            <a:ln>
+              <a:noFill/>
+            </a:ln>
+          </p:spPr>
+          <p:style>
+            <a:lnRef idx="2">
+              <a:schemeClr val="accent1">
+                <a:shade val="50000"/>
+              </a:schemeClr>
+            </a:lnRef>
+            <a:fillRef idx="1">
+              <a:schemeClr val="accent1"/>
+            </a:fillRef>
+            <a:effectRef idx="0">
+              <a:schemeClr val="accent1"/>
+            </a:effectRef>
+            <a:fontRef idx="minor">
+              <a:schemeClr val="lt1"/>
+            </a:fontRef>
+          </p:style>
+          <p:txBody>
+            <a:bodyPr rtlCol="0" anchor="ctr"/>
+            <a:lstStyle/>
+            <a:p>
+              <a:pPr algn="ctr"/>
+              <a:endParaRPr lang="en-US"/>
+            </a:p>
+          </p:txBody>
+        </p:sp>
+        <p:sp>
+          <p:nvSpPr>
+            <p:cNvPr id="43" name="Oval 42"/>
+            <p:cNvSpPr/>
+            <p:nvPr/>
+          </p:nvSpPr>
+          <p:spPr>
+            <a:xfrm>
+              <a:off x="762000" y="1866900"/>
+              <a:ext cx="685800" cy="381000"/>
+            </a:xfrm>
+            <a:prstGeom prst="ellipse">
+              <a:avLst/>
+            </a:prstGeom>
+            <a:solidFill>
+              <a:schemeClr val="accent6">
+                <a:lumMod val="50000"/>
+              </a:schemeClr>
+            </a:solidFill>
+            <a:ln>
+              <a:solidFill>
+                <a:schemeClr val="tx1">
+                  <a:lumMod val="65000"/>
+                  <a:lumOff val="35000"/>
+                </a:schemeClr>
+              </a:solidFill>
+            </a:ln>
+          </p:spPr>
+          <p:style>
+            <a:lnRef idx="2">
+              <a:schemeClr val="accent1">
+                <a:shade val="50000"/>
+              </a:schemeClr>
+            </a:lnRef>
+            <a:fillRef idx="1">
+              <a:schemeClr val="accent1"/>
+            </a:fillRef>
+            <a:effectRef idx="0">
+              <a:schemeClr val="accent1"/>
+            </a:effectRef>
+            <a:fontRef idx="minor">
+              <a:schemeClr val="lt1"/>
+            </a:fontRef>
+          </p:style>
+          <p:txBody>
+            <a:bodyPr rtlCol="0" anchor="ctr"/>
+            <a:lstStyle/>
+            <a:p>
+              <a:pPr algn="ctr"/>
+              <a:endParaRPr lang="en-US"/>
+            </a:p>
+          </p:txBody>
+        </p:sp>
+        <p:cxnSp>
+          <p:nvCxnSpPr>
+            <p:cNvPr id="44" name="Straight Connector 43"/>
+            <p:cNvCxnSpPr/>
+            <p:nvPr/>
+          </p:nvCxnSpPr>
+          <p:spPr>
+            <a:xfrm>
+              <a:off x="762000" y="2057400"/>
+              <a:ext cx="0" cy="1943100"/>
+            </a:xfrm>
+            <a:prstGeom prst="line">
+              <a:avLst/>
+            </a:prstGeom>
+            <a:solidFill>
+              <a:schemeClr val="accent6">
+                <a:lumMod val="50000"/>
+              </a:schemeClr>
+            </a:solidFill>
+            <a:ln>
+              <a:solidFill>
+                <a:schemeClr val="tx1">
+                  <a:lumMod val="65000"/>
+                  <a:lumOff val="35000"/>
+                </a:schemeClr>
+              </a:solidFill>
+            </a:ln>
+          </p:spPr>
+          <p:style>
+            <a:lnRef idx="2">
+              <a:schemeClr val="accent1">
+                <a:shade val="50000"/>
+              </a:schemeClr>
+            </a:lnRef>
+            <a:fillRef idx="1">
+              <a:schemeClr val="accent1"/>
+            </a:fillRef>
+            <a:effectRef idx="0">
+              <a:schemeClr val="accent1"/>
+            </a:effectRef>
+            <a:fontRef idx="minor">
+              <a:schemeClr val="lt1"/>
+            </a:fontRef>
+          </p:style>
+        </p:cxnSp>
+        <p:cxnSp>
+          <p:nvCxnSpPr>
+            <p:cNvPr id="45" name="Straight Connector 44"/>
+            <p:cNvCxnSpPr/>
+            <p:nvPr/>
+          </p:nvCxnSpPr>
+          <p:spPr>
+            <a:xfrm>
+              <a:off x="1447800" y="2057400"/>
+              <a:ext cx="0" cy="1943100"/>
+            </a:xfrm>
+            <a:prstGeom prst="line">
+              <a:avLst/>
+            </a:prstGeom>
+            <a:solidFill>
+              <a:schemeClr val="accent6">
+                <a:lumMod val="50000"/>
+              </a:schemeClr>
+            </a:solidFill>
+            <a:ln>
+              <a:solidFill>
+                <a:schemeClr val="tx1">
+                  <a:lumMod val="65000"/>
+                  <a:lumOff val="35000"/>
+                </a:schemeClr>
+              </a:solidFill>
+            </a:ln>
+          </p:spPr>
+          <p:style>
+            <a:lnRef idx="2">
+              <a:schemeClr val="accent1">
+                <a:shade val="50000"/>
+              </a:schemeClr>
+            </a:lnRef>
+            <a:fillRef idx="1">
+              <a:schemeClr val="accent1"/>
+            </a:fillRef>
+            <a:effectRef idx="0">
+              <a:schemeClr val="accent1"/>
+            </a:effectRef>
+            <a:fontRef idx="minor">
+              <a:schemeClr val="lt1"/>
+            </a:fontRef>
+          </p:style>
+        </p:cxnSp>
+      </p:grpSp>
+    </p:spTree>
+    <p:extLst>
+      <p:ext uri="{BB962C8B-B14F-4D97-AF65-F5344CB8AC3E}">
+        <p14:creationId xmlns:p14="http://schemas.microsoft.com/office/powerpoint/2010/main" val="590424955"/>
+      </p:ext>
+    </p:extLst>
+  </p:cSld>
+  <p:clrMapOvr>
+    <a:masterClrMapping/>
+  </p:clrMapOvr>
+</p:sld>
+</file>
+
 <file path=ppt/theme/theme1.xml><?xml version="1.0" encoding="utf-8"?>
 <a:theme xmlns:a="http://schemas.openxmlformats.org/drawingml/2006/main" name="Office Theme">
   <a:themeElements>

--- a/Art/Bombardier.pptx
+++ b/Art/Bombardier.pptx
@@ -7,6 +7,7 @@
   <p:sldIdLst>
     <p:sldId id="256" r:id="rId2"/>
     <p:sldId id="257" r:id="rId3"/>
+    <p:sldId id="258" r:id="rId4"/>
   </p:sldIdLst>
   <p:sldSz cx="9144000" cy="6858000" type="screen4x3"/>
   <p:notesSz cx="6858000" cy="9144000"/>
@@ -289,7 +290,7 @@
           <a:p>
             <a:fld id="{DFD7034F-1760-4B20-AE6D-A3DD230D8A49}" type="datetimeFigureOut">
               <a:rPr lang="ru-RU" smtClean="0"/>
-              <a:t>29.08.2013</a:t>
+              <a:t>04.09.2013</a:t>
             </a:fld>
             <a:endParaRPr lang="ru-RU"/>
           </a:p>
@@ -459,7 +460,7 @@
           <a:p>
             <a:fld id="{DFD7034F-1760-4B20-AE6D-A3DD230D8A49}" type="datetimeFigureOut">
               <a:rPr lang="ru-RU" smtClean="0"/>
-              <a:t>29.08.2013</a:t>
+              <a:t>04.09.2013</a:t>
             </a:fld>
             <a:endParaRPr lang="ru-RU"/>
           </a:p>
@@ -639,7 +640,7 @@
           <a:p>
             <a:fld id="{DFD7034F-1760-4B20-AE6D-A3DD230D8A49}" type="datetimeFigureOut">
               <a:rPr lang="ru-RU" smtClean="0"/>
-              <a:t>29.08.2013</a:t>
+              <a:t>04.09.2013</a:t>
             </a:fld>
             <a:endParaRPr lang="ru-RU"/>
           </a:p>
@@ -809,7 +810,7 @@
           <a:p>
             <a:fld id="{DFD7034F-1760-4B20-AE6D-A3DD230D8A49}" type="datetimeFigureOut">
               <a:rPr lang="ru-RU" smtClean="0"/>
-              <a:t>29.08.2013</a:t>
+              <a:t>04.09.2013</a:t>
             </a:fld>
             <a:endParaRPr lang="ru-RU"/>
           </a:p>
@@ -1055,7 +1056,7 @@
           <a:p>
             <a:fld id="{DFD7034F-1760-4B20-AE6D-A3DD230D8A49}" type="datetimeFigureOut">
               <a:rPr lang="ru-RU" smtClean="0"/>
-              <a:t>29.08.2013</a:t>
+              <a:t>04.09.2013</a:t>
             </a:fld>
             <a:endParaRPr lang="ru-RU"/>
           </a:p>
@@ -1343,7 +1344,7 @@
           <a:p>
             <a:fld id="{DFD7034F-1760-4B20-AE6D-A3DD230D8A49}" type="datetimeFigureOut">
               <a:rPr lang="ru-RU" smtClean="0"/>
-              <a:t>29.08.2013</a:t>
+              <a:t>04.09.2013</a:t>
             </a:fld>
             <a:endParaRPr lang="ru-RU"/>
           </a:p>
@@ -1765,7 +1766,7 @@
           <a:p>
             <a:fld id="{DFD7034F-1760-4B20-AE6D-A3DD230D8A49}" type="datetimeFigureOut">
               <a:rPr lang="ru-RU" smtClean="0"/>
-              <a:t>29.08.2013</a:t>
+              <a:t>04.09.2013</a:t>
             </a:fld>
             <a:endParaRPr lang="ru-RU"/>
           </a:p>
@@ -1883,7 +1884,7 @@
           <a:p>
             <a:fld id="{DFD7034F-1760-4B20-AE6D-A3DD230D8A49}" type="datetimeFigureOut">
               <a:rPr lang="ru-RU" smtClean="0"/>
-              <a:t>29.08.2013</a:t>
+              <a:t>04.09.2013</a:t>
             </a:fld>
             <a:endParaRPr lang="ru-RU"/>
           </a:p>
@@ -1978,7 +1979,7 @@
           <a:p>
             <a:fld id="{DFD7034F-1760-4B20-AE6D-A3DD230D8A49}" type="datetimeFigureOut">
               <a:rPr lang="ru-RU" smtClean="0"/>
-              <a:t>29.08.2013</a:t>
+              <a:t>04.09.2013</a:t>
             </a:fld>
             <a:endParaRPr lang="ru-RU"/>
           </a:p>
@@ -2255,7 +2256,7 @@
           <a:p>
             <a:fld id="{DFD7034F-1760-4B20-AE6D-A3DD230D8A49}" type="datetimeFigureOut">
               <a:rPr lang="ru-RU" smtClean="0"/>
-              <a:t>29.08.2013</a:t>
+              <a:t>04.09.2013</a:t>
             </a:fld>
             <a:endParaRPr lang="ru-RU"/>
           </a:p>
@@ -2508,7 +2509,7 @@
           <a:p>
             <a:fld id="{DFD7034F-1760-4B20-AE6D-A3DD230D8A49}" type="datetimeFigureOut">
               <a:rPr lang="ru-RU" smtClean="0"/>
-              <a:t>29.08.2013</a:t>
+              <a:t>04.09.2013</a:t>
             </a:fld>
             <a:endParaRPr lang="ru-RU"/>
           </a:p>
@@ -2721,7 +2722,7 @@
           <a:p>
             <a:fld id="{DFD7034F-1760-4B20-AE6D-A3DD230D8A49}" type="datetimeFigureOut">
               <a:rPr lang="ru-RU" smtClean="0"/>
-              <a:t>29.08.2013</a:t>
+              <a:t>04.09.2013</a:t>
             </a:fld>
             <a:endParaRPr lang="ru-RU"/>
           </a:p>
@@ -4922,6 +4923,97 @@
 </p:sld>
 </file>
 
+<file path=ppt/slides/slide3.xml><?xml version="1.0" encoding="utf-8"?>
+<p:sld xmlns:a="http://schemas.openxmlformats.org/drawingml/2006/main" xmlns:r="http://schemas.openxmlformats.org/officeDocument/2006/relationships" xmlns:p="http://schemas.openxmlformats.org/presentationml/2006/main">
+  <p:cSld>
+    <p:spTree>
+      <p:nvGrpSpPr>
+        <p:cNvPr id="1" name=""/>
+        <p:cNvGrpSpPr/>
+        <p:nvPr/>
+      </p:nvGrpSpPr>
+      <p:grpSpPr>
+        <a:xfrm>
+          <a:off x="0" y="0"/>
+          <a:ext cx="0" cy="0"/>
+          <a:chOff x="0" y="0"/>
+          <a:chExt cx="0" cy="0"/>
+        </a:xfrm>
+      </p:grpSpPr>
+      <p:sp>
+        <p:nvSpPr>
+          <p:cNvPr id="2" name="Rectangle 1"/>
+          <p:cNvSpPr/>
+          <p:nvPr/>
+        </p:nvSpPr>
+        <p:spPr>
+          <a:xfrm>
+            <a:off x="1066800" y="1524000"/>
+            <a:ext cx="2286000" cy="2286000"/>
+          </a:xfrm>
+          <a:prstGeom prst="rect">
+            <a:avLst/>
+          </a:prstGeom>
+          <a:solidFill>
+            <a:schemeClr val="tx1"/>
+          </a:solidFill>
+          <a:ln w="127000">
+            <a:solidFill>
+              <a:srgbClr val="00B050"/>
+            </a:solidFill>
+            <a:miter lim="800000"/>
+          </a:ln>
+        </p:spPr>
+        <p:style>
+          <a:lnRef idx="2">
+            <a:schemeClr val="accent1">
+              <a:shade val="50000"/>
+            </a:schemeClr>
+          </a:lnRef>
+          <a:fillRef idx="1">
+            <a:schemeClr val="accent1"/>
+          </a:fillRef>
+          <a:effectRef idx="0">
+            <a:schemeClr val="accent1"/>
+          </a:effectRef>
+          <a:fontRef idx="minor">
+            <a:schemeClr val="lt1"/>
+          </a:fontRef>
+        </p:style>
+        <p:txBody>
+          <a:bodyPr rtlCol="0" anchor="ctr"/>
+          <a:lstStyle/>
+          <a:p>
+            <a:pPr algn="ctr"/>
+            <a:r>
+              <a:rPr lang="en-US" sz="6600" dirty="0" smtClean="0">
+                <a:solidFill>
+                  <a:srgbClr val="00B050"/>
+                </a:solidFill>
+              </a:rPr>
+              <a:t>START</a:t>
+            </a:r>
+            <a:endParaRPr lang="en-US" sz="6600" dirty="0">
+              <a:solidFill>
+                <a:srgbClr val="00B050"/>
+              </a:solidFill>
+            </a:endParaRPr>
+          </a:p>
+        </p:txBody>
+      </p:sp>
+    </p:spTree>
+    <p:extLst>
+      <p:ext uri="{BB962C8B-B14F-4D97-AF65-F5344CB8AC3E}">
+        <p14:creationId xmlns:p14="http://schemas.microsoft.com/office/powerpoint/2010/main" val="2630008603"/>
+      </p:ext>
+    </p:extLst>
+  </p:cSld>
+  <p:clrMapOvr>
+    <a:masterClrMapping/>
+  </p:clrMapOvr>
+</p:sld>
+</file>
+
 <file path=ppt/theme/theme1.xml><?xml version="1.0" encoding="utf-8"?>
 <a:theme xmlns:a="http://schemas.openxmlformats.org/drawingml/2006/main" name="Office Theme">
   <a:themeElements>

--- a/Art/Bombardier.pptx
+++ b/Art/Bombardier.pptx
@@ -8,6 +8,7 @@
     <p:sldId id="256" r:id="rId2"/>
     <p:sldId id="257" r:id="rId3"/>
     <p:sldId id="258" r:id="rId4"/>
+    <p:sldId id="259" r:id="rId5"/>
   </p:sldIdLst>
   <p:sldSz cx="9144000" cy="6858000" type="screen4x3"/>
   <p:notesSz cx="6858000" cy="9144000"/>
@@ -290,7 +291,7 @@
           <a:p>
             <a:fld id="{DFD7034F-1760-4B20-AE6D-A3DD230D8A49}" type="datetimeFigureOut">
               <a:rPr lang="ru-RU" smtClean="0"/>
-              <a:t>04.09.2013</a:t>
+              <a:t>08.09.2013</a:t>
             </a:fld>
             <a:endParaRPr lang="ru-RU"/>
           </a:p>
@@ -460,7 +461,7 @@
           <a:p>
             <a:fld id="{DFD7034F-1760-4B20-AE6D-A3DD230D8A49}" type="datetimeFigureOut">
               <a:rPr lang="ru-RU" smtClean="0"/>
-              <a:t>04.09.2013</a:t>
+              <a:t>08.09.2013</a:t>
             </a:fld>
             <a:endParaRPr lang="ru-RU"/>
           </a:p>
@@ -640,7 +641,7 @@
           <a:p>
             <a:fld id="{DFD7034F-1760-4B20-AE6D-A3DD230D8A49}" type="datetimeFigureOut">
               <a:rPr lang="ru-RU" smtClean="0"/>
-              <a:t>04.09.2013</a:t>
+              <a:t>08.09.2013</a:t>
             </a:fld>
             <a:endParaRPr lang="ru-RU"/>
           </a:p>
@@ -810,7 +811,7 @@
           <a:p>
             <a:fld id="{DFD7034F-1760-4B20-AE6D-A3DD230D8A49}" type="datetimeFigureOut">
               <a:rPr lang="ru-RU" smtClean="0"/>
-              <a:t>04.09.2013</a:t>
+              <a:t>08.09.2013</a:t>
             </a:fld>
             <a:endParaRPr lang="ru-RU"/>
           </a:p>
@@ -1056,7 +1057,7 @@
           <a:p>
             <a:fld id="{DFD7034F-1760-4B20-AE6D-A3DD230D8A49}" type="datetimeFigureOut">
               <a:rPr lang="ru-RU" smtClean="0"/>
-              <a:t>04.09.2013</a:t>
+              <a:t>08.09.2013</a:t>
             </a:fld>
             <a:endParaRPr lang="ru-RU"/>
           </a:p>
@@ -1344,7 +1345,7 @@
           <a:p>
             <a:fld id="{DFD7034F-1760-4B20-AE6D-A3DD230D8A49}" type="datetimeFigureOut">
               <a:rPr lang="ru-RU" smtClean="0"/>
-              <a:t>04.09.2013</a:t>
+              <a:t>08.09.2013</a:t>
             </a:fld>
             <a:endParaRPr lang="ru-RU"/>
           </a:p>
@@ -1766,7 +1767,7 @@
           <a:p>
             <a:fld id="{DFD7034F-1760-4B20-AE6D-A3DD230D8A49}" type="datetimeFigureOut">
               <a:rPr lang="ru-RU" smtClean="0"/>
-              <a:t>04.09.2013</a:t>
+              <a:t>08.09.2013</a:t>
             </a:fld>
             <a:endParaRPr lang="ru-RU"/>
           </a:p>
@@ -1884,7 +1885,7 @@
           <a:p>
             <a:fld id="{DFD7034F-1760-4B20-AE6D-A3DD230D8A49}" type="datetimeFigureOut">
               <a:rPr lang="ru-RU" smtClean="0"/>
-              <a:t>04.09.2013</a:t>
+              <a:t>08.09.2013</a:t>
             </a:fld>
             <a:endParaRPr lang="ru-RU"/>
           </a:p>
@@ -1979,7 +1980,7 @@
           <a:p>
             <a:fld id="{DFD7034F-1760-4B20-AE6D-A3DD230D8A49}" type="datetimeFigureOut">
               <a:rPr lang="ru-RU" smtClean="0"/>
-              <a:t>04.09.2013</a:t>
+              <a:t>08.09.2013</a:t>
             </a:fld>
             <a:endParaRPr lang="ru-RU"/>
           </a:p>
@@ -2256,7 +2257,7 @@
           <a:p>
             <a:fld id="{DFD7034F-1760-4B20-AE6D-A3DD230D8A49}" type="datetimeFigureOut">
               <a:rPr lang="ru-RU" smtClean="0"/>
-              <a:t>04.09.2013</a:t>
+              <a:t>08.09.2013</a:t>
             </a:fld>
             <a:endParaRPr lang="ru-RU"/>
           </a:p>
@@ -2509,7 +2510,7 @@
           <a:p>
             <a:fld id="{DFD7034F-1760-4B20-AE6D-A3DD230D8A49}" type="datetimeFigureOut">
               <a:rPr lang="ru-RU" smtClean="0"/>
-              <a:t>04.09.2013</a:t>
+              <a:t>08.09.2013</a:t>
             </a:fld>
             <a:endParaRPr lang="ru-RU"/>
           </a:p>
@@ -2722,7 +2723,7 @@
           <a:p>
             <a:fld id="{DFD7034F-1760-4B20-AE6D-A3DD230D8A49}" type="datetimeFigureOut">
               <a:rPr lang="ru-RU" smtClean="0"/>
-              <a:t>04.09.2013</a:t>
+              <a:t>08.09.2013</a:t>
             </a:fld>
             <a:endParaRPr lang="ru-RU"/>
           </a:p>
@@ -5014,6 +5015,147 @@
 </p:sld>
 </file>
 
+<file path=ppt/slides/slide4.xml><?xml version="1.0" encoding="utf-8"?>
+<p:sld xmlns:a="http://schemas.openxmlformats.org/drawingml/2006/main" xmlns:r="http://schemas.openxmlformats.org/officeDocument/2006/relationships" xmlns:p="http://schemas.openxmlformats.org/presentationml/2006/main">
+  <p:cSld>
+    <p:spTree>
+      <p:nvGrpSpPr>
+        <p:cNvPr id="1" name=""/>
+        <p:cNvGrpSpPr/>
+        <p:nvPr/>
+      </p:nvGrpSpPr>
+      <p:grpSpPr>
+        <a:xfrm>
+          <a:off x="0" y="0"/>
+          <a:ext cx="0" cy="0"/>
+          <a:chOff x="0" y="0"/>
+          <a:chExt cx="0" cy="0"/>
+        </a:xfrm>
+      </p:grpSpPr>
+      <p:sp>
+        <p:nvSpPr>
+          <p:cNvPr id="2" name="Rectangle 1"/>
+          <p:cNvSpPr/>
+          <p:nvPr/>
+        </p:nvSpPr>
+        <p:spPr>
+          <a:xfrm>
+            <a:off x="5337314" y="2838449"/>
+            <a:ext cx="149086" cy="342898"/>
+          </a:xfrm>
+          <a:prstGeom prst="rect">
+            <a:avLst/>
+          </a:prstGeom>
+          <a:solidFill>
+            <a:schemeClr val="tx1">
+              <a:lumMod val="65000"/>
+              <a:lumOff val="35000"/>
+            </a:schemeClr>
+          </a:solidFill>
+          <a:ln>
+            <a:solidFill>
+              <a:schemeClr val="tx1">
+                <a:lumMod val="75000"/>
+                <a:lumOff val="25000"/>
+              </a:schemeClr>
+            </a:solidFill>
+          </a:ln>
+        </p:spPr>
+        <p:style>
+          <a:lnRef idx="2">
+            <a:schemeClr val="accent1">
+              <a:shade val="50000"/>
+            </a:schemeClr>
+          </a:lnRef>
+          <a:fillRef idx="1">
+            <a:schemeClr val="accent1"/>
+          </a:fillRef>
+          <a:effectRef idx="0">
+            <a:schemeClr val="accent1"/>
+          </a:effectRef>
+          <a:fontRef idx="minor">
+            <a:schemeClr val="lt1"/>
+          </a:fontRef>
+        </p:style>
+        <p:txBody>
+          <a:bodyPr rtlCol="0" anchor="ctr"/>
+          <a:lstStyle/>
+          <a:p>
+            <a:pPr algn="ctr"/>
+            <a:endParaRPr lang="en-US"/>
+          </a:p>
+        </p:txBody>
+      </p:sp>
+      <p:sp>
+        <p:nvSpPr>
+          <p:cNvPr id="4" name="Round Same Side Corner Rectangle 3"/>
+          <p:cNvSpPr/>
+          <p:nvPr/>
+        </p:nvSpPr>
+        <p:spPr>
+          <a:xfrm rot="16200000">
+            <a:off x="5076824" y="2886074"/>
+            <a:ext cx="1066802" cy="247650"/>
+          </a:xfrm>
+          <a:prstGeom prst="round2SameRect">
+            <a:avLst>
+              <a:gd name="adj1" fmla="val 50000"/>
+              <a:gd name="adj2" fmla="val 0"/>
+            </a:avLst>
+          </a:prstGeom>
+          <a:solidFill>
+            <a:schemeClr val="tx1">
+              <a:lumMod val="65000"/>
+              <a:lumOff val="35000"/>
+            </a:schemeClr>
+          </a:solidFill>
+          <a:ln>
+            <a:solidFill>
+              <a:schemeClr val="tx1">
+                <a:lumMod val="75000"/>
+                <a:lumOff val="25000"/>
+              </a:schemeClr>
+            </a:solidFill>
+          </a:ln>
+        </p:spPr>
+        <p:style>
+          <a:lnRef idx="2">
+            <a:schemeClr val="accent1">
+              <a:shade val="50000"/>
+            </a:schemeClr>
+          </a:lnRef>
+          <a:fillRef idx="1">
+            <a:schemeClr val="accent1"/>
+          </a:fillRef>
+          <a:effectRef idx="0">
+            <a:schemeClr val="accent1"/>
+          </a:effectRef>
+          <a:fontRef idx="minor">
+            <a:schemeClr val="lt1"/>
+          </a:fontRef>
+        </p:style>
+        <p:txBody>
+          <a:bodyPr rtlCol="0" anchor="ctr"/>
+          <a:lstStyle/>
+          <a:p>
+            <a:pPr algn="ctr"/>
+            <a:endParaRPr lang="en-US"/>
+          </a:p>
+        </p:txBody>
+      </p:sp>
+    </p:spTree>
+    <p:extLst>
+      <p:ext uri="{BB962C8B-B14F-4D97-AF65-F5344CB8AC3E}">
+        <p14:creationId xmlns:p14="http://schemas.microsoft.com/office/powerpoint/2010/main" val="2190139823"/>
+      </p:ext>
+    </p:extLst>
+  </p:cSld>
+  <p:clrMapOvr>
+    <a:masterClrMapping/>
+  </p:clrMapOvr>
+</p:sld>
+</file>
+
 <file path=ppt/theme/theme1.xml><?xml version="1.0" encoding="utf-8"?>
 <a:theme xmlns:a="http://schemas.openxmlformats.org/drawingml/2006/main" name="Office Theme">
   <a:themeElements>

--- a/Art/Bombardier.pptx
+++ b/Art/Bombardier.pptx
@@ -9,6 +9,7 @@
     <p:sldId id="257" r:id="rId3"/>
     <p:sldId id="258" r:id="rId4"/>
     <p:sldId id="259" r:id="rId5"/>
+    <p:sldId id="260" r:id="rId6"/>
   </p:sldIdLst>
   <p:sldSz cx="9144000" cy="6858000" type="screen4x3"/>
   <p:notesSz cx="6858000" cy="9144000"/>
@@ -291,7 +292,7 @@
           <a:p>
             <a:fld id="{DFD7034F-1760-4B20-AE6D-A3DD230D8A49}" type="datetimeFigureOut">
               <a:rPr lang="ru-RU" smtClean="0"/>
-              <a:t>08.09.2013</a:t>
+              <a:t>13.09.2013</a:t>
             </a:fld>
             <a:endParaRPr lang="ru-RU"/>
           </a:p>
@@ -461,7 +462,7 @@
           <a:p>
             <a:fld id="{DFD7034F-1760-4B20-AE6D-A3DD230D8A49}" type="datetimeFigureOut">
               <a:rPr lang="ru-RU" smtClean="0"/>
-              <a:t>08.09.2013</a:t>
+              <a:t>13.09.2013</a:t>
             </a:fld>
             <a:endParaRPr lang="ru-RU"/>
           </a:p>
@@ -641,7 +642,7 @@
           <a:p>
             <a:fld id="{DFD7034F-1760-4B20-AE6D-A3DD230D8A49}" type="datetimeFigureOut">
               <a:rPr lang="ru-RU" smtClean="0"/>
-              <a:t>08.09.2013</a:t>
+              <a:t>13.09.2013</a:t>
             </a:fld>
             <a:endParaRPr lang="ru-RU"/>
           </a:p>
@@ -811,7 +812,7 @@
           <a:p>
             <a:fld id="{DFD7034F-1760-4B20-AE6D-A3DD230D8A49}" type="datetimeFigureOut">
               <a:rPr lang="ru-RU" smtClean="0"/>
-              <a:t>08.09.2013</a:t>
+              <a:t>13.09.2013</a:t>
             </a:fld>
             <a:endParaRPr lang="ru-RU"/>
           </a:p>
@@ -1057,7 +1058,7 @@
           <a:p>
             <a:fld id="{DFD7034F-1760-4B20-AE6D-A3DD230D8A49}" type="datetimeFigureOut">
               <a:rPr lang="ru-RU" smtClean="0"/>
-              <a:t>08.09.2013</a:t>
+              <a:t>13.09.2013</a:t>
             </a:fld>
             <a:endParaRPr lang="ru-RU"/>
           </a:p>
@@ -1345,7 +1346,7 @@
           <a:p>
             <a:fld id="{DFD7034F-1760-4B20-AE6D-A3DD230D8A49}" type="datetimeFigureOut">
               <a:rPr lang="ru-RU" smtClean="0"/>
-              <a:t>08.09.2013</a:t>
+              <a:t>13.09.2013</a:t>
             </a:fld>
             <a:endParaRPr lang="ru-RU"/>
           </a:p>
@@ -1767,7 +1768,7 @@
           <a:p>
             <a:fld id="{DFD7034F-1760-4B20-AE6D-A3DD230D8A49}" type="datetimeFigureOut">
               <a:rPr lang="ru-RU" smtClean="0"/>
-              <a:t>08.09.2013</a:t>
+              <a:t>13.09.2013</a:t>
             </a:fld>
             <a:endParaRPr lang="ru-RU"/>
           </a:p>
@@ -1885,7 +1886,7 @@
           <a:p>
             <a:fld id="{DFD7034F-1760-4B20-AE6D-A3DD230D8A49}" type="datetimeFigureOut">
               <a:rPr lang="ru-RU" smtClean="0"/>
-              <a:t>08.09.2013</a:t>
+              <a:t>13.09.2013</a:t>
             </a:fld>
             <a:endParaRPr lang="ru-RU"/>
           </a:p>
@@ -1980,7 +1981,7 @@
           <a:p>
             <a:fld id="{DFD7034F-1760-4B20-AE6D-A3DD230D8A49}" type="datetimeFigureOut">
               <a:rPr lang="ru-RU" smtClean="0"/>
-              <a:t>08.09.2013</a:t>
+              <a:t>13.09.2013</a:t>
             </a:fld>
             <a:endParaRPr lang="ru-RU"/>
           </a:p>
@@ -2257,7 +2258,7 @@
           <a:p>
             <a:fld id="{DFD7034F-1760-4B20-AE6D-A3DD230D8A49}" type="datetimeFigureOut">
               <a:rPr lang="ru-RU" smtClean="0"/>
-              <a:t>08.09.2013</a:t>
+              <a:t>13.09.2013</a:t>
             </a:fld>
             <a:endParaRPr lang="ru-RU"/>
           </a:p>
@@ -2510,7 +2511,7 @@
           <a:p>
             <a:fld id="{DFD7034F-1760-4B20-AE6D-A3DD230D8A49}" type="datetimeFigureOut">
               <a:rPr lang="ru-RU" smtClean="0"/>
-              <a:t>08.09.2013</a:t>
+              <a:t>13.09.2013</a:t>
             </a:fld>
             <a:endParaRPr lang="ru-RU"/>
           </a:p>
@@ -2723,7 +2724,7 @@
           <a:p>
             <a:fld id="{DFD7034F-1760-4B20-AE6D-A3DD230D8A49}" type="datetimeFigureOut">
               <a:rPr lang="ru-RU" smtClean="0"/>
-              <a:t>08.09.2013</a:t>
+              <a:t>13.09.2013</a:t>
             </a:fld>
             <a:endParaRPr lang="ru-RU"/>
           </a:p>
@@ -5156,6 +5157,99 @@
 </p:sld>
 </file>
 
+<file path=ppt/slides/slide5.xml><?xml version="1.0" encoding="utf-8"?>
+<p:sld xmlns:a="http://schemas.openxmlformats.org/drawingml/2006/main" xmlns:r="http://schemas.openxmlformats.org/officeDocument/2006/relationships" xmlns:p="http://schemas.openxmlformats.org/presentationml/2006/main">
+  <p:cSld>
+    <p:spTree>
+      <p:nvGrpSpPr>
+        <p:cNvPr id="1" name=""/>
+        <p:cNvGrpSpPr/>
+        <p:nvPr/>
+      </p:nvGrpSpPr>
+      <p:grpSpPr>
+        <a:xfrm>
+          <a:off x="0" y="0"/>
+          <a:ext cx="0" cy="0"/>
+          <a:chOff x="0" y="0"/>
+          <a:chExt cx="0" cy="0"/>
+        </a:xfrm>
+      </p:grpSpPr>
+      <p:sp>
+        <p:nvSpPr>
+          <p:cNvPr id="2" name="Oval 1"/>
+          <p:cNvSpPr/>
+          <p:nvPr/>
+        </p:nvSpPr>
+        <p:spPr>
+          <a:xfrm>
+            <a:off x="1371600" y="1828800"/>
+            <a:ext cx="990600" cy="990600"/>
+          </a:xfrm>
+          <a:prstGeom prst="ellipse">
+            <a:avLst/>
+          </a:prstGeom>
+          <a:gradFill flip="none" rotWithShape="1">
+            <a:gsLst>
+              <a:gs pos="0">
+                <a:srgbClr val="FFF200"/>
+              </a:gs>
+              <a:gs pos="45000">
+                <a:srgbClr val="FF7A00"/>
+              </a:gs>
+              <a:gs pos="70000">
+                <a:srgbClr val="FF0300"/>
+              </a:gs>
+              <a:gs pos="100000">
+                <a:srgbClr val="4D0808"/>
+              </a:gs>
+            </a:gsLst>
+            <a:path path="circle">
+              <a:fillToRect l="50000" t="50000" r="50000" b="50000"/>
+            </a:path>
+            <a:tileRect/>
+          </a:gradFill>
+          <a:ln>
+            <a:noFill/>
+          </a:ln>
+        </p:spPr>
+        <p:style>
+          <a:lnRef idx="2">
+            <a:schemeClr val="accent1">
+              <a:shade val="50000"/>
+            </a:schemeClr>
+          </a:lnRef>
+          <a:fillRef idx="1">
+            <a:schemeClr val="accent1"/>
+          </a:fillRef>
+          <a:effectRef idx="0">
+            <a:schemeClr val="accent1"/>
+          </a:effectRef>
+          <a:fontRef idx="minor">
+            <a:schemeClr val="lt1"/>
+          </a:fontRef>
+        </p:style>
+        <p:txBody>
+          <a:bodyPr rtlCol="0" anchor="ctr"/>
+          <a:lstStyle/>
+          <a:p>
+            <a:pPr algn="ctr"/>
+            <a:endParaRPr lang="en-US"/>
+          </a:p>
+        </p:txBody>
+      </p:sp>
+    </p:spTree>
+    <p:extLst>
+      <p:ext uri="{BB962C8B-B14F-4D97-AF65-F5344CB8AC3E}">
+        <p14:creationId xmlns:p14="http://schemas.microsoft.com/office/powerpoint/2010/main" val="125585455"/>
+      </p:ext>
+    </p:extLst>
+  </p:cSld>
+  <p:clrMapOvr>
+    <a:masterClrMapping/>
+  </p:clrMapOvr>
+</p:sld>
+</file>
+
 <file path=ppt/theme/theme1.xml><?xml version="1.0" encoding="utf-8"?>
 <a:theme xmlns:a="http://schemas.openxmlformats.org/drawingml/2006/main" name="Office Theme">
   <a:themeElements>

--- a/Art/Bombardier.pptx
+++ b/Art/Bombardier.pptx
@@ -10,6 +10,7 @@
     <p:sldId id="258" r:id="rId4"/>
     <p:sldId id="259" r:id="rId5"/>
     <p:sldId id="260" r:id="rId6"/>
+    <p:sldId id="261" r:id="rId7"/>
   </p:sldIdLst>
   <p:sldSz cx="9144000" cy="6858000" type="screen4x3"/>
   <p:notesSz cx="6858000" cy="9144000"/>
@@ -292,7 +293,7 @@
           <a:p>
             <a:fld id="{DFD7034F-1760-4B20-AE6D-A3DD230D8A49}" type="datetimeFigureOut">
               <a:rPr lang="ru-RU" smtClean="0"/>
-              <a:t>13.09.2013</a:t>
+              <a:t>18.09.2013</a:t>
             </a:fld>
             <a:endParaRPr lang="ru-RU"/>
           </a:p>
@@ -462,7 +463,7 @@
           <a:p>
             <a:fld id="{DFD7034F-1760-4B20-AE6D-A3DD230D8A49}" type="datetimeFigureOut">
               <a:rPr lang="ru-RU" smtClean="0"/>
-              <a:t>13.09.2013</a:t>
+              <a:t>18.09.2013</a:t>
             </a:fld>
             <a:endParaRPr lang="ru-RU"/>
           </a:p>
@@ -642,7 +643,7 @@
           <a:p>
             <a:fld id="{DFD7034F-1760-4B20-AE6D-A3DD230D8A49}" type="datetimeFigureOut">
               <a:rPr lang="ru-RU" smtClean="0"/>
-              <a:t>13.09.2013</a:t>
+              <a:t>18.09.2013</a:t>
             </a:fld>
             <a:endParaRPr lang="ru-RU"/>
           </a:p>
@@ -812,7 +813,7 @@
           <a:p>
             <a:fld id="{DFD7034F-1760-4B20-AE6D-A3DD230D8A49}" type="datetimeFigureOut">
               <a:rPr lang="ru-RU" smtClean="0"/>
-              <a:t>13.09.2013</a:t>
+              <a:t>18.09.2013</a:t>
             </a:fld>
             <a:endParaRPr lang="ru-RU"/>
           </a:p>
@@ -1058,7 +1059,7 @@
           <a:p>
             <a:fld id="{DFD7034F-1760-4B20-AE6D-A3DD230D8A49}" type="datetimeFigureOut">
               <a:rPr lang="ru-RU" smtClean="0"/>
-              <a:t>13.09.2013</a:t>
+              <a:t>18.09.2013</a:t>
             </a:fld>
             <a:endParaRPr lang="ru-RU"/>
           </a:p>
@@ -1346,7 +1347,7 @@
           <a:p>
             <a:fld id="{DFD7034F-1760-4B20-AE6D-A3DD230D8A49}" type="datetimeFigureOut">
               <a:rPr lang="ru-RU" smtClean="0"/>
-              <a:t>13.09.2013</a:t>
+              <a:t>18.09.2013</a:t>
             </a:fld>
             <a:endParaRPr lang="ru-RU"/>
           </a:p>
@@ -1768,7 +1769,7 @@
           <a:p>
             <a:fld id="{DFD7034F-1760-4B20-AE6D-A3DD230D8A49}" type="datetimeFigureOut">
               <a:rPr lang="ru-RU" smtClean="0"/>
-              <a:t>13.09.2013</a:t>
+              <a:t>18.09.2013</a:t>
             </a:fld>
             <a:endParaRPr lang="ru-RU"/>
           </a:p>
@@ -1886,7 +1887,7 @@
           <a:p>
             <a:fld id="{DFD7034F-1760-4B20-AE6D-A3DD230D8A49}" type="datetimeFigureOut">
               <a:rPr lang="ru-RU" smtClean="0"/>
-              <a:t>13.09.2013</a:t>
+              <a:t>18.09.2013</a:t>
             </a:fld>
             <a:endParaRPr lang="ru-RU"/>
           </a:p>
@@ -1981,7 +1982,7 @@
           <a:p>
             <a:fld id="{DFD7034F-1760-4B20-AE6D-A3DD230D8A49}" type="datetimeFigureOut">
               <a:rPr lang="ru-RU" smtClean="0"/>
-              <a:t>13.09.2013</a:t>
+              <a:t>18.09.2013</a:t>
             </a:fld>
             <a:endParaRPr lang="ru-RU"/>
           </a:p>
@@ -2258,7 +2259,7 @@
           <a:p>
             <a:fld id="{DFD7034F-1760-4B20-AE6D-A3DD230D8A49}" type="datetimeFigureOut">
               <a:rPr lang="ru-RU" smtClean="0"/>
-              <a:t>13.09.2013</a:t>
+              <a:t>18.09.2013</a:t>
             </a:fld>
             <a:endParaRPr lang="ru-RU"/>
           </a:p>
@@ -2511,7 +2512,7 @@
           <a:p>
             <a:fld id="{DFD7034F-1760-4B20-AE6D-A3DD230D8A49}" type="datetimeFigureOut">
               <a:rPr lang="ru-RU" smtClean="0"/>
-              <a:t>13.09.2013</a:t>
+              <a:t>18.09.2013</a:t>
             </a:fld>
             <a:endParaRPr lang="ru-RU"/>
           </a:p>
@@ -2724,7 +2725,7 @@
           <a:p>
             <a:fld id="{DFD7034F-1760-4B20-AE6D-A3DD230D8A49}" type="datetimeFigureOut">
               <a:rPr lang="ru-RU" smtClean="0"/>
-              <a:t>13.09.2013</a:t>
+              <a:t>18.09.2013</a:t>
             </a:fld>
             <a:endParaRPr lang="ru-RU"/>
           </a:p>
@@ -5250,6 +5251,90 @@
 </p:sld>
 </file>
 
+<file path=ppt/slides/slide6.xml><?xml version="1.0" encoding="utf-8"?>
+<p:sld xmlns:a="http://schemas.openxmlformats.org/drawingml/2006/main" xmlns:r="http://schemas.openxmlformats.org/officeDocument/2006/relationships" xmlns:p="http://schemas.openxmlformats.org/presentationml/2006/main">
+  <p:cSld>
+    <p:spTree>
+      <p:nvGrpSpPr>
+        <p:cNvPr id="1" name=""/>
+        <p:cNvGrpSpPr/>
+        <p:nvPr/>
+      </p:nvGrpSpPr>
+      <p:grpSpPr>
+        <a:xfrm>
+          <a:off x="0" y="0"/>
+          <a:ext cx="0" cy="0"/>
+          <a:chOff x="0" y="0"/>
+          <a:chExt cx="0" cy="0"/>
+        </a:xfrm>
+      </p:grpSpPr>
+      <p:sp>
+        <p:nvSpPr>
+          <p:cNvPr id="2" name="Rectangle 1"/>
+          <p:cNvSpPr/>
+          <p:nvPr/>
+        </p:nvSpPr>
+        <p:spPr>
+          <a:xfrm>
+            <a:off x="914400" y="533400"/>
+            <a:ext cx="304800" cy="1524000"/>
+          </a:xfrm>
+          <a:prstGeom prst="rect">
+            <a:avLst/>
+          </a:prstGeom>
+          <a:pattFill prst="wdUpDiag">
+            <a:fgClr>
+              <a:schemeClr val="tx1">
+                <a:lumMod val="75000"/>
+                <a:lumOff val="25000"/>
+              </a:schemeClr>
+            </a:fgClr>
+            <a:bgClr>
+              <a:srgbClr val="A24D06"/>
+            </a:bgClr>
+          </a:pattFill>
+          <a:ln>
+            <a:noFill/>
+          </a:ln>
+        </p:spPr>
+        <p:style>
+          <a:lnRef idx="2">
+            <a:schemeClr val="accent1">
+              <a:shade val="50000"/>
+            </a:schemeClr>
+          </a:lnRef>
+          <a:fillRef idx="1">
+            <a:schemeClr val="accent1"/>
+          </a:fillRef>
+          <a:effectRef idx="0">
+            <a:schemeClr val="accent1"/>
+          </a:effectRef>
+          <a:fontRef idx="minor">
+            <a:schemeClr val="lt1"/>
+          </a:fontRef>
+        </p:style>
+        <p:txBody>
+          <a:bodyPr rtlCol="0" anchor="ctr"/>
+          <a:lstStyle/>
+          <a:p>
+            <a:pPr algn="ctr"/>
+            <a:endParaRPr lang="en-US"/>
+          </a:p>
+        </p:txBody>
+      </p:sp>
+    </p:spTree>
+    <p:extLst>
+      <p:ext uri="{BB962C8B-B14F-4D97-AF65-F5344CB8AC3E}">
+        <p14:creationId xmlns:p14="http://schemas.microsoft.com/office/powerpoint/2010/main" val="1634936325"/>
+      </p:ext>
+    </p:extLst>
+  </p:cSld>
+  <p:clrMapOvr>
+    <a:masterClrMapping/>
+  </p:clrMapOvr>
+</p:sld>
+</file>
+
 <file path=ppt/theme/theme1.xml><?xml version="1.0" encoding="utf-8"?>
 <a:theme xmlns:a="http://schemas.openxmlformats.org/drawingml/2006/main" name="Office Theme">
   <a:themeElements>

--- a/Art/Bombardier.pptx
+++ b/Art/Bombardier.pptx
@@ -11,6 +11,7 @@
     <p:sldId id="259" r:id="rId5"/>
     <p:sldId id="260" r:id="rId6"/>
     <p:sldId id="261" r:id="rId7"/>
+    <p:sldId id="262" r:id="rId8"/>
   </p:sldIdLst>
   <p:sldSz cx="9144000" cy="6858000" type="screen4x3"/>
   <p:notesSz cx="6858000" cy="9144000"/>
@@ -293,7 +294,7 @@
           <a:p>
             <a:fld id="{DFD7034F-1760-4B20-AE6D-A3DD230D8A49}" type="datetimeFigureOut">
               <a:rPr lang="ru-RU" smtClean="0"/>
-              <a:t>18.09.2013</a:t>
+              <a:t>28.11.2013</a:t>
             </a:fld>
             <a:endParaRPr lang="ru-RU"/>
           </a:p>
@@ -463,7 +464,7 @@
           <a:p>
             <a:fld id="{DFD7034F-1760-4B20-AE6D-A3DD230D8A49}" type="datetimeFigureOut">
               <a:rPr lang="ru-RU" smtClean="0"/>
-              <a:t>18.09.2013</a:t>
+              <a:t>28.11.2013</a:t>
             </a:fld>
             <a:endParaRPr lang="ru-RU"/>
           </a:p>
@@ -643,7 +644,7 @@
           <a:p>
             <a:fld id="{DFD7034F-1760-4B20-AE6D-A3DD230D8A49}" type="datetimeFigureOut">
               <a:rPr lang="ru-RU" smtClean="0"/>
-              <a:t>18.09.2013</a:t>
+              <a:t>28.11.2013</a:t>
             </a:fld>
             <a:endParaRPr lang="ru-RU"/>
           </a:p>
@@ -813,7 +814,7 @@
           <a:p>
             <a:fld id="{DFD7034F-1760-4B20-AE6D-A3DD230D8A49}" type="datetimeFigureOut">
               <a:rPr lang="ru-RU" smtClean="0"/>
-              <a:t>18.09.2013</a:t>
+              <a:t>28.11.2013</a:t>
             </a:fld>
             <a:endParaRPr lang="ru-RU"/>
           </a:p>
@@ -1059,7 +1060,7 @@
           <a:p>
             <a:fld id="{DFD7034F-1760-4B20-AE6D-A3DD230D8A49}" type="datetimeFigureOut">
               <a:rPr lang="ru-RU" smtClean="0"/>
-              <a:t>18.09.2013</a:t>
+              <a:t>28.11.2013</a:t>
             </a:fld>
             <a:endParaRPr lang="ru-RU"/>
           </a:p>
@@ -1347,7 +1348,7 @@
           <a:p>
             <a:fld id="{DFD7034F-1760-4B20-AE6D-A3DD230D8A49}" type="datetimeFigureOut">
               <a:rPr lang="ru-RU" smtClean="0"/>
-              <a:t>18.09.2013</a:t>
+              <a:t>28.11.2013</a:t>
             </a:fld>
             <a:endParaRPr lang="ru-RU"/>
           </a:p>
@@ -1769,7 +1770,7 @@
           <a:p>
             <a:fld id="{DFD7034F-1760-4B20-AE6D-A3DD230D8A49}" type="datetimeFigureOut">
               <a:rPr lang="ru-RU" smtClean="0"/>
-              <a:t>18.09.2013</a:t>
+              <a:t>28.11.2013</a:t>
             </a:fld>
             <a:endParaRPr lang="ru-RU"/>
           </a:p>
@@ -1887,7 +1888,7 @@
           <a:p>
             <a:fld id="{DFD7034F-1760-4B20-AE6D-A3DD230D8A49}" type="datetimeFigureOut">
               <a:rPr lang="ru-RU" smtClean="0"/>
-              <a:t>18.09.2013</a:t>
+              <a:t>28.11.2013</a:t>
             </a:fld>
             <a:endParaRPr lang="ru-RU"/>
           </a:p>
@@ -1982,7 +1983,7 @@
           <a:p>
             <a:fld id="{DFD7034F-1760-4B20-AE6D-A3DD230D8A49}" type="datetimeFigureOut">
               <a:rPr lang="ru-RU" smtClean="0"/>
-              <a:t>18.09.2013</a:t>
+              <a:t>28.11.2013</a:t>
             </a:fld>
             <a:endParaRPr lang="ru-RU"/>
           </a:p>
@@ -2259,7 +2260,7 @@
           <a:p>
             <a:fld id="{DFD7034F-1760-4B20-AE6D-A3DD230D8A49}" type="datetimeFigureOut">
               <a:rPr lang="ru-RU" smtClean="0"/>
-              <a:t>18.09.2013</a:t>
+              <a:t>28.11.2013</a:t>
             </a:fld>
             <a:endParaRPr lang="ru-RU"/>
           </a:p>
@@ -2512,7 +2513,7 @@
           <a:p>
             <a:fld id="{DFD7034F-1760-4B20-AE6D-A3DD230D8A49}" type="datetimeFigureOut">
               <a:rPr lang="ru-RU" smtClean="0"/>
-              <a:t>18.09.2013</a:t>
+              <a:t>28.11.2013</a:t>
             </a:fld>
             <a:endParaRPr lang="ru-RU"/>
           </a:p>
@@ -2725,7 +2726,7 @@
           <a:p>
             <a:fld id="{DFD7034F-1760-4B20-AE6D-A3DD230D8A49}" type="datetimeFigureOut">
               <a:rPr lang="ru-RU" smtClean="0"/>
-              <a:t>18.09.2013</a:t>
+              <a:t>28.11.2013</a:t>
             </a:fld>
             <a:endParaRPr lang="ru-RU"/>
           </a:p>
@@ -5335,6 +5336,145 @@
 </p:sld>
 </file>
 
+<file path=ppt/slides/slide7.xml><?xml version="1.0" encoding="utf-8"?>
+<p:sld xmlns:a="http://schemas.openxmlformats.org/drawingml/2006/main" xmlns:r="http://schemas.openxmlformats.org/officeDocument/2006/relationships" xmlns:p="http://schemas.openxmlformats.org/presentationml/2006/main">
+  <p:cSld>
+    <p:spTree>
+      <p:nvGrpSpPr>
+        <p:cNvPr id="1" name=""/>
+        <p:cNvGrpSpPr/>
+        <p:nvPr/>
+      </p:nvGrpSpPr>
+      <p:grpSpPr>
+        <a:xfrm>
+          <a:off x="0" y="0"/>
+          <a:ext cx="0" cy="0"/>
+          <a:chOff x="0" y="0"/>
+          <a:chExt cx="0" cy="0"/>
+        </a:xfrm>
+      </p:grpSpPr>
+      <p:sp>
+        <p:nvSpPr>
+          <p:cNvPr id="2" name="Oval 1"/>
+          <p:cNvSpPr/>
+          <p:nvPr/>
+        </p:nvSpPr>
+        <p:spPr>
+          <a:xfrm>
+            <a:off x="914400" y="1562100"/>
+            <a:ext cx="1981200" cy="1981200"/>
+          </a:xfrm>
+          <a:prstGeom prst="ellipse">
+            <a:avLst/>
+          </a:prstGeom>
+          <a:gradFill flip="none" rotWithShape="1">
+            <a:gsLst>
+              <a:gs pos="22000">
+                <a:schemeClr val="bg1">
+                  <a:lumMod val="85000"/>
+                </a:schemeClr>
+              </a:gs>
+              <a:gs pos="100000">
+                <a:schemeClr val="bg1">
+                  <a:lumMod val="50000"/>
+                </a:schemeClr>
+              </a:gs>
+            </a:gsLst>
+            <a:lin ang="2700000" scaled="1"/>
+            <a:tileRect/>
+          </a:gradFill>
+          <a:ln>
+            <a:solidFill>
+              <a:schemeClr val="tx1"/>
+            </a:solidFill>
+          </a:ln>
+        </p:spPr>
+        <p:style>
+          <a:lnRef idx="2">
+            <a:schemeClr val="accent1">
+              <a:shade val="50000"/>
+            </a:schemeClr>
+          </a:lnRef>
+          <a:fillRef idx="1">
+            <a:schemeClr val="accent1"/>
+          </a:fillRef>
+          <a:effectRef idx="0">
+            <a:schemeClr val="accent1"/>
+          </a:effectRef>
+          <a:fontRef idx="minor">
+            <a:schemeClr val="lt1"/>
+          </a:fontRef>
+        </p:style>
+        <p:txBody>
+          <a:bodyPr rtlCol="0" anchor="ctr"/>
+          <a:lstStyle/>
+          <a:p>
+            <a:pPr algn="ctr"/>
+            <a:endParaRPr lang="en-US"/>
+          </a:p>
+        </p:txBody>
+      </p:sp>
+      <p:sp>
+        <p:nvSpPr>
+          <p:cNvPr id="3" name="Oval 2"/>
+          <p:cNvSpPr/>
+          <p:nvPr/>
+        </p:nvSpPr>
+        <p:spPr>
+          <a:xfrm>
+            <a:off x="1219200" y="1866900"/>
+            <a:ext cx="1371600" cy="1371600"/>
+          </a:xfrm>
+          <a:prstGeom prst="ellipse">
+            <a:avLst/>
+          </a:prstGeom>
+          <a:solidFill>
+            <a:srgbClr val="C00000"/>
+          </a:solidFill>
+          <a:ln>
+            <a:solidFill>
+              <a:schemeClr val="tx1"/>
+            </a:solidFill>
+          </a:ln>
+        </p:spPr>
+        <p:style>
+          <a:lnRef idx="2">
+            <a:schemeClr val="accent1">
+              <a:shade val="50000"/>
+            </a:schemeClr>
+          </a:lnRef>
+          <a:fillRef idx="1">
+            <a:schemeClr val="accent1"/>
+          </a:fillRef>
+          <a:effectRef idx="0">
+            <a:schemeClr val="accent1"/>
+          </a:effectRef>
+          <a:fontRef idx="minor">
+            <a:schemeClr val="lt1"/>
+          </a:fontRef>
+        </p:style>
+        <p:txBody>
+          <a:bodyPr rtlCol="0" anchor="ctr"/>
+          <a:lstStyle/>
+          <a:p>
+            <a:pPr algn="ctr"/>
+            <a:endParaRPr lang="en-US"/>
+          </a:p>
+        </p:txBody>
+      </p:sp>
+    </p:spTree>
+    <p:extLst>
+      <p:ext uri="{BB962C8B-B14F-4D97-AF65-F5344CB8AC3E}">
+        <p14:creationId xmlns:p14="http://schemas.microsoft.com/office/powerpoint/2010/main" val="1647903751"/>
+      </p:ext>
+    </p:extLst>
+  </p:cSld>
+  <p:clrMapOvr>
+    <a:masterClrMapping/>
+  </p:clrMapOvr>
+</p:sld>
+</file>
+
 <file path=ppt/theme/theme1.xml><?xml version="1.0" encoding="utf-8"?>
 <a:theme xmlns:a="http://schemas.openxmlformats.org/drawingml/2006/main" name="Office Theme">
   <a:themeElements>

--- a/Art/Bombardier.pptx
+++ b/Art/Bombardier.pptx
@@ -12,6 +12,7 @@
     <p:sldId id="260" r:id="rId6"/>
     <p:sldId id="261" r:id="rId7"/>
     <p:sldId id="262" r:id="rId8"/>
+    <p:sldId id="263" r:id="rId9"/>
   </p:sldIdLst>
   <p:sldSz cx="9144000" cy="6858000" type="screen4x3"/>
   <p:notesSz cx="6858000" cy="9144000"/>
@@ -294,7 +295,7 @@
           <a:p>
             <a:fld id="{DFD7034F-1760-4B20-AE6D-A3DD230D8A49}" type="datetimeFigureOut">
               <a:rPr lang="ru-RU" smtClean="0"/>
-              <a:t>28.11.2013</a:t>
+              <a:t>10.12.2013</a:t>
             </a:fld>
             <a:endParaRPr lang="ru-RU"/>
           </a:p>
@@ -464,7 +465,7 @@
           <a:p>
             <a:fld id="{DFD7034F-1760-4B20-AE6D-A3DD230D8A49}" type="datetimeFigureOut">
               <a:rPr lang="ru-RU" smtClean="0"/>
-              <a:t>28.11.2013</a:t>
+              <a:t>10.12.2013</a:t>
             </a:fld>
             <a:endParaRPr lang="ru-RU"/>
           </a:p>
@@ -644,7 +645,7 @@
           <a:p>
             <a:fld id="{DFD7034F-1760-4B20-AE6D-A3DD230D8A49}" type="datetimeFigureOut">
               <a:rPr lang="ru-RU" smtClean="0"/>
-              <a:t>28.11.2013</a:t>
+              <a:t>10.12.2013</a:t>
             </a:fld>
             <a:endParaRPr lang="ru-RU"/>
           </a:p>
@@ -814,7 +815,7 @@
           <a:p>
             <a:fld id="{DFD7034F-1760-4B20-AE6D-A3DD230D8A49}" type="datetimeFigureOut">
               <a:rPr lang="ru-RU" smtClean="0"/>
-              <a:t>28.11.2013</a:t>
+              <a:t>10.12.2013</a:t>
             </a:fld>
             <a:endParaRPr lang="ru-RU"/>
           </a:p>
@@ -1060,7 +1061,7 @@
           <a:p>
             <a:fld id="{DFD7034F-1760-4B20-AE6D-A3DD230D8A49}" type="datetimeFigureOut">
               <a:rPr lang="ru-RU" smtClean="0"/>
-              <a:t>28.11.2013</a:t>
+              <a:t>10.12.2013</a:t>
             </a:fld>
             <a:endParaRPr lang="ru-RU"/>
           </a:p>
@@ -1348,7 +1349,7 @@
           <a:p>
             <a:fld id="{DFD7034F-1760-4B20-AE6D-A3DD230D8A49}" type="datetimeFigureOut">
               <a:rPr lang="ru-RU" smtClean="0"/>
-              <a:t>28.11.2013</a:t>
+              <a:t>10.12.2013</a:t>
             </a:fld>
             <a:endParaRPr lang="ru-RU"/>
           </a:p>
@@ -1770,7 +1771,7 @@
           <a:p>
             <a:fld id="{DFD7034F-1760-4B20-AE6D-A3DD230D8A49}" type="datetimeFigureOut">
               <a:rPr lang="ru-RU" smtClean="0"/>
-              <a:t>28.11.2013</a:t>
+              <a:t>10.12.2013</a:t>
             </a:fld>
             <a:endParaRPr lang="ru-RU"/>
           </a:p>
@@ -1888,7 +1889,7 @@
           <a:p>
             <a:fld id="{DFD7034F-1760-4B20-AE6D-A3DD230D8A49}" type="datetimeFigureOut">
               <a:rPr lang="ru-RU" smtClean="0"/>
-              <a:t>28.11.2013</a:t>
+              <a:t>10.12.2013</a:t>
             </a:fld>
             <a:endParaRPr lang="ru-RU"/>
           </a:p>
@@ -1983,7 +1984,7 @@
           <a:p>
             <a:fld id="{DFD7034F-1760-4B20-AE6D-A3DD230D8A49}" type="datetimeFigureOut">
               <a:rPr lang="ru-RU" smtClean="0"/>
-              <a:t>28.11.2013</a:t>
+              <a:t>10.12.2013</a:t>
             </a:fld>
             <a:endParaRPr lang="ru-RU"/>
           </a:p>
@@ -2260,7 +2261,7 @@
           <a:p>
             <a:fld id="{DFD7034F-1760-4B20-AE6D-A3DD230D8A49}" type="datetimeFigureOut">
               <a:rPr lang="ru-RU" smtClean="0"/>
-              <a:t>28.11.2013</a:t>
+              <a:t>10.12.2013</a:t>
             </a:fld>
             <a:endParaRPr lang="ru-RU"/>
           </a:p>
@@ -2513,7 +2514,7 @@
           <a:p>
             <a:fld id="{DFD7034F-1760-4B20-AE6D-A3DD230D8A49}" type="datetimeFigureOut">
               <a:rPr lang="ru-RU" smtClean="0"/>
-              <a:t>28.11.2013</a:t>
+              <a:t>10.12.2013</a:t>
             </a:fld>
             <a:endParaRPr lang="ru-RU"/>
           </a:p>
@@ -2726,7 +2727,7 @@
           <a:p>
             <a:fld id="{DFD7034F-1760-4B20-AE6D-A3DD230D8A49}" type="datetimeFigureOut">
               <a:rPr lang="ru-RU" smtClean="0"/>
-              <a:t>28.11.2013</a:t>
+              <a:t>10.12.2013</a:t>
             </a:fld>
             <a:endParaRPr lang="ru-RU"/>
           </a:p>
@@ -5475,6 +5476,498 @@
 </p:sld>
 </file>
 
+<file path=ppt/slides/slide8.xml><?xml version="1.0" encoding="utf-8"?>
+<p:sld xmlns:a="http://schemas.openxmlformats.org/drawingml/2006/main" xmlns:r="http://schemas.openxmlformats.org/officeDocument/2006/relationships" xmlns:p="http://schemas.openxmlformats.org/presentationml/2006/main">
+  <p:cSld>
+    <p:spTree>
+      <p:nvGrpSpPr>
+        <p:cNvPr id="1" name=""/>
+        <p:cNvGrpSpPr/>
+        <p:nvPr/>
+      </p:nvGrpSpPr>
+      <p:grpSpPr>
+        <a:xfrm>
+          <a:off x="0" y="0"/>
+          <a:ext cx="0" cy="0"/>
+          <a:chOff x="0" y="0"/>
+          <a:chExt cx="0" cy="0"/>
+        </a:xfrm>
+      </p:grpSpPr>
+      <p:pic>
+        <p:nvPicPr>
+          <p:cNvPr id="2" name="Picture 2"/>
+          <p:cNvPicPr>
+            <a:picLocks noChangeAspect="1" noChangeArrowheads="1"/>
+          </p:cNvPicPr>
+          <p:nvPr/>
+        </p:nvPicPr>
+        <p:blipFill>
+          <a:blip r:embed="rId2">
+            <a:extLst>
+              <a:ext uri="{28A0092B-C50C-407E-A947-70E740481C1C}">
+                <a14:useLocalDpi xmlns:a14="http://schemas.microsoft.com/office/drawing/2010/main" val="0"/>
+              </a:ext>
+            </a:extLst>
+          </a:blip>
+          <a:srcRect/>
+          <a:stretch>
+            <a:fillRect/>
+          </a:stretch>
+        </p:blipFill>
+        <p:spPr bwMode="auto">
+          <a:xfrm>
+            <a:off x="247650" y="381000"/>
+            <a:ext cx="1809750" cy="1809750"/>
+          </a:xfrm>
+          <a:prstGeom prst="rect">
+            <a:avLst/>
+          </a:prstGeom>
+          <a:noFill/>
+          <a:ln>
+            <a:noFill/>
+          </a:ln>
+          <a:extLst>
+            <a:ext uri="{909E8E84-426E-40DD-AFC4-6F175D3DCCD1}">
+              <a14:hiddenFill xmlns:a14="http://schemas.microsoft.com/office/drawing/2010/main">
+                <a:solidFill>
+                  <a:schemeClr val="accent1"/>
+                </a:solidFill>
+              </a14:hiddenFill>
+            </a:ext>
+            <a:ext uri="{91240B29-F687-4F45-9708-019B960494DF}">
+              <a14:hiddenLine xmlns:a14="http://schemas.microsoft.com/office/drawing/2010/main" w="9525">
+                <a:solidFill>
+                  <a:schemeClr val="tx1"/>
+                </a:solidFill>
+                <a:miter lim="800000"/>
+                <a:headEnd/>
+                <a:tailEnd/>
+              </a14:hiddenLine>
+            </a:ext>
+          </a:extLst>
+        </p:spPr>
+      </p:pic>
+      <p:pic>
+        <p:nvPicPr>
+          <p:cNvPr id="3" name="Picture 2"/>
+          <p:cNvPicPr>
+            <a:picLocks noChangeAspect="1" noChangeArrowheads="1"/>
+          </p:cNvPicPr>
+          <p:nvPr/>
+        </p:nvPicPr>
+        <p:blipFill>
+          <a:blip r:embed="rId2">
+            <a:extLst>
+              <a:ext uri="{28A0092B-C50C-407E-A947-70E740481C1C}">
+                <a14:useLocalDpi xmlns:a14="http://schemas.microsoft.com/office/drawing/2010/main" val="0"/>
+              </a:ext>
+            </a:extLst>
+          </a:blip>
+          <a:srcRect/>
+          <a:stretch>
+            <a:fillRect/>
+          </a:stretch>
+        </p:blipFill>
+        <p:spPr bwMode="auto">
+          <a:xfrm flipH="1">
+            <a:off x="2057400" y="381000"/>
+            <a:ext cx="1809750" cy="1809750"/>
+          </a:xfrm>
+          <a:prstGeom prst="rect">
+            <a:avLst/>
+          </a:prstGeom>
+          <a:noFill/>
+          <a:ln>
+            <a:noFill/>
+          </a:ln>
+          <a:extLst>
+            <a:ext uri="{909E8E84-426E-40DD-AFC4-6F175D3DCCD1}">
+              <a14:hiddenFill xmlns:a14="http://schemas.microsoft.com/office/drawing/2010/main">
+                <a:solidFill>
+                  <a:schemeClr val="accent1"/>
+                </a:solidFill>
+              </a14:hiddenFill>
+            </a:ext>
+            <a:ext uri="{91240B29-F687-4F45-9708-019B960494DF}">
+              <a14:hiddenLine xmlns:a14="http://schemas.microsoft.com/office/drawing/2010/main" w="9525">
+                <a:solidFill>
+                  <a:schemeClr val="tx1"/>
+                </a:solidFill>
+                <a:miter lim="800000"/>
+                <a:headEnd/>
+                <a:tailEnd/>
+              </a14:hiddenLine>
+            </a:ext>
+          </a:extLst>
+        </p:spPr>
+      </p:pic>
+      <p:grpSp>
+        <p:nvGrpSpPr>
+          <p:cNvPr id="4" name="Group 3"/>
+          <p:cNvGrpSpPr/>
+          <p:nvPr/>
+        </p:nvGrpSpPr>
+        <p:grpSpPr>
+          <a:xfrm rot="10800000" flipH="1">
+            <a:off x="238126" y="2189389"/>
+            <a:ext cx="3619500" cy="1809750"/>
+            <a:chOff x="3143250" y="4388304"/>
+            <a:chExt cx="3619500" cy="1809750"/>
+          </a:xfrm>
+        </p:grpSpPr>
+        <p:pic>
+          <p:nvPicPr>
+            <p:cNvPr id="5" name="Picture 2"/>
+            <p:cNvPicPr>
+              <a:picLocks noChangeAspect="1" noChangeArrowheads="1"/>
+            </p:cNvPicPr>
+            <p:nvPr/>
+          </p:nvPicPr>
+          <p:blipFill>
+            <a:blip r:embed="rId2">
+              <a:extLst>
+                <a:ext uri="{28A0092B-C50C-407E-A947-70E740481C1C}">
+                  <a14:useLocalDpi xmlns:a14="http://schemas.microsoft.com/office/drawing/2010/main" val="0"/>
+                </a:ext>
+              </a:extLst>
+            </a:blip>
+            <a:srcRect/>
+            <a:stretch>
+              <a:fillRect/>
+            </a:stretch>
+          </p:blipFill>
+          <p:spPr bwMode="auto">
+            <a:xfrm>
+              <a:off x="3143250" y="4388304"/>
+              <a:ext cx="1809750" cy="1809750"/>
+            </a:xfrm>
+            <a:prstGeom prst="rect">
+              <a:avLst/>
+            </a:prstGeom>
+            <a:noFill/>
+            <a:ln>
+              <a:noFill/>
+            </a:ln>
+            <a:extLst>
+              <a:ext uri="{909E8E84-426E-40DD-AFC4-6F175D3DCCD1}">
+                <a14:hiddenFill xmlns:a14="http://schemas.microsoft.com/office/drawing/2010/main">
+                  <a:solidFill>
+                    <a:schemeClr val="accent1"/>
+                  </a:solidFill>
+                </a14:hiddenFill>
+              </a:ext>
+              <a:ext uri="{91240B29-F687-4F45-9708-019B960494DF}">
+                <a14:hiddenLine xmlns:a14="http://schemas.microsoft.com/office/drawing/2010/main" w="9525">
+                  <a:solidFill>
+                    <a:schemeClr val="tx1"/>
+                  </a:solidFill>
+                  <a:miter lim="800000"/>
+                  <a:headEnd/>
+                  <a:tailEnd/>
+                </a14:hiddenLine>
+              </a:ext>
+            </a:extLst>
+          </p:spPr>
+        </p:pic>
+        <p:pic>
+          <p:nvPicPr>
+            <p:cNvPr id="6" name="Picture 2"/>
+            <p:cNvPicPr>
+              <a:picLocks noChangeAspect="1" noChangeArrowheads="1"/>
+            </p:cNvPicPr>
+            <p:nvPr/>
+          </p:nvPicPr>
+          <p:blipFill>
+            <a:blip r:embed="rId2">
+              <a:extLst>
+                <a:ext uri="{28A0092B-C50C-407E-A947-70E740481C1C}">
+                  <a14:useLocalDpi xmlns:a14="http://schemas.microsoft.com/office/drawing/2010/main" val="0"/>
+                </a:ext>
+              </a:extLst>
+            </a:blip>
+            <a:srcRect/>
+            <a:stretch>
+              <a:fillRect/>
+            </a:stretch>
+          </p:blipFill>
+          <p:spPr bwMode="auto">
+            <a:xfrm flipH="1">
+              <a:off x="4953000" y="4388304"/>
+              <a:ext cx="1809750" cy="1809750"/>
+            </a:xfrm>
+            <a:prstGeom prst="rect">
+              <a:avLst/>
+            </a:prstGeom>
+            <a:noFill/>
+            <a:ln>
+              <a:noFill/>
+            </a:ln>
+            <a:extLst>
+              <a:ext uri="{909E8E84-426E-40DD-AFC4-6F175D3DCCD1}">
+                <a14:hiddenFill xmlns:a14="http://schemas.microsoft.com/office/drawing/2010/main">
+                  <a:solidFill>
+                    <a:schemeClr val="accent1"/>
+                  </a:solidFill>
+                </a14:hiddenFill>
+              </a:ext>
+              <a:ext uri="{91240B29-F687-4F45-9708-019B960494DF}">
+                <a14:hiddenLine xmlns:a14="http://schemas.microsoft.com/office/drawing/2010/main" w="9525">
+                  <a:solidFill>
+                    <a:schemeClr val="tx1"/>
+                  </a:solidFill>
+                  <a:miter lim="800000"/>
+                  <a:headEnd/>
+                  <a:tailEnd/>
+                </a14:hiddenLine>
+              </a:ext>
+            </a:extLst>
+          </p:spPr>
+        </p:pic>
+      </p:grpSp>
+      <p:pic>
+        <p:nvPicPr>
+          <p:cNvPr id="7" name="Picture 2"/>
+          <p:cNvPicPr>
+            <a:picLocks noChangeAspect="1" noChangeArrowheads="1"/>
+          </p:cNvPicPr>
+          <p:nvPr/>
+        </p:nvPicPr>
+        <p:blipFill>
+          <a:blip r:embed="rId2">
+            <a:extLst>
+              <a:ext uri="{28A0092B-C50C-407E-A947-70E740481C1C}">
+                <a14:useLocalDpi xmlns:a14="http://schemas.microsoft.com/office/drawing/2010/main" val="0"/>
+              </a:ext>
+            </a:extLst>
+          </a:blip>
+          <a:srcRect/>
+          <a:stretch>
+            <a:fillRect/>
+          </a:stretch>
+        </p:blipFill>
+        <p:spPr bwMode="auto">
+          <a:xfrm>
+            <a:off x="3829050" y="379639"/>
+            <a:ext cx="1809750" cy="1809750"/>
+          </a:xfrm>
+          <a:prstGeom prst="rect">
+            <a:avLst/>
+          </a:prstGeom>
+          <a:noFill/>
+          <a:ln>
+            <a:noFill/>
+          </a:ln>
+          <a:extLst>
+            <a:ext uri="{909E8E84-426E-40DD-AFC4-6F175D3DCCD1}">
+              <a14:hiddenFill xmlns:a14="http://schemas.microsoft.com/office/drawing/2010/main">
+                <a:solidFill>
+                  <a:schemeClr val="accent1"/>
+                </a:solidFill>
+              </a14:hiddenFill>
+            </a:ext>
+            <a:ext uri="{91240B29-F687-4F45-9708-019B960494DF}">
+              <a14:hiddenLine xmlns:a14="http://schemas.microsoft.com/office/drawing/2010/main" w="9525">
+                <a:solidFill>
+                  <a:schemeClr val="tx1"/>
+                </a:solidFill>
+                <a:miter lim="800000"/>
+                <a:headEnd/>
+                <a:tailEnd/>
+              </a14:hiddenLine>
+            </a:ext>
+          </a:extLst>
+        </p:spPr>
+      </p:pic>
+      <p:pic>
+        <p:nvPicPr>
+          <p:cNvPr id="8" name="Picture 2"/>
+          <p:cNvPicPr>
+            <a:picLocks noChangeAspect="1" noChangeArrowheads="1"/>
+          </p:cNvPicPr>
+          <p:nvPr/>
+        </p:nvPicPr>
+        <p:blipFill>
+          <a:blip r:embed="rId2">
+            <a:extLst>
+              <a:ext uri="{28A0092B-C50C-407E-A947-70E740481C1C}">
+                <a14:useLocalDpi xmlns:a14="http://schemas.microsoft.com/office/drawing/2010/main" val="0"/>
+              </a:ext>
+            </a:extLst>
+          </a:blip>
+          <a:srcRect/>
+          <a:stretch>
+            <a:fillRect/>
+          </a:stretch>
+        </p:blipFill>
+        <p:spPr bwMode="auto">
+          <a:xfrm flipH="1">
+            <a:off x="5638800" y="379639"/>
+            <a:ext cx="1809750" cy="1809750"/>
+          </a:xfrm>
+          <a:prstGeom prst="rect">
+            <a:avLst/>
+          </a:prstGeom>
+          <a:noFill/>
+          <a:ln>
+            <a:noFill/>
+          </a:ln>
+          <a:extLst>
+            <a:ext uri="{909E8E84-426E-40DD-AFC4-6F175D3DCCD1}">
+              <a14:hiddenFill xmlns:a14="http://schemas.microsoft.com/office/drawing/2010/main">
+                <a:solidFill>
+                  <a:schemeClr val="accent1"/>
+                </a:solidFill>
+              </a14:hiddenFill>
+            </a:ext>
+            <a:ext uri="{91240B29-F687-4F45-9708-019B960494DF}">
+              <a14:hiddenLine xmlns:a14="http://schemas.microsoft.com/office/drawing/2010/main" w="9525">
+                <a:solidFill>
+                  <a:schemeClr val="tx1"/>
+                </a:solidFill>
+                <a:miter lim="800000"/>
+                <a:headEnd/>
+                <a:tailEnd/>
+              </a14:hiddenLine>
+            </a:ext>
+          </a:extLst>
+        </p:spPr>
+      </p:pic>
+      <p:grpSp>
+        <p:nvGrpSpPr>
+          <p:cNvPr id="9" name="Group 8"/>
+          <p:cNvGrpSpPr/>
+          <p:nvPr/>
+        </p:nvGrpSpPr>
+        <p:grpSpPr>
+          <a:xfrm rot="10800000" flipH="1">
+            <a:off x="3819526" y="2188028"/>
+            <a:ext cx="3619500" cy="1809750"/>
+            <a:chOff x="3143250" y="4388304"/>
+            <a:chExt cx="3619500" cy="1809750"/>
+          </a:xfrm>
+        </p:grpSpPr>
+        <p:pic>
+          <p:nvPicPr>
+            <p:cNvPr id="10" name="Picture 2"/>
+            <p:cNvPicPr>
+              <a:picLocks noChangeAspect="1" noChangeArrowheads="1"/>
+            </p:cNvPicPr>
+            <p:nvPr/>
+          </p:nvPicPr>
+          <p:blipFill>
+            <a:blip r:embed="rId2">
+              <a:extLst>
+                <a:ext uri="{28A0092B-C50C-407E-A947-70E740481C1C}">
+                  <a14:useLocalDpi xmlns:a14="http://schemas.microsoft.com/office/drawing/2010/main" val="0"/>
+                </a:ext>
+              </a:extLst>
+            </a:blip>
+            <a:srcRect/>
+            <a:stretch>
+              <a:fillRect/>
+            </a:stretch>
+          </p:blipFill>
+          <p:spPr bwMode="auto">
+            <a:xfrm>
+              <a:off x="3143250" y="4388304"/>
+              <a:ext cx="1809750" cy="1809750"/>
+            </a:xfrm>
+            <a:prstGeom prst="rect">
+              <a:avLst/>
+            </a:prstGeom>
+            <a:noFill/>
+            <a:ln>
+              <a:noFill/>
+            </a:ln>
+            <a:extLst>
+              <a:ext uri="{909E8E84-426E-40DD-AFC4-6F175D3DCCD1}">
+                <a14:hiddenFill xmlns:a14="http://schemas.microsoft.com/office/drawing/2010/main">
+                  <a:solidFill>
+                    <a:schemeClr val="accent1"/>
+                  </a:solidFill>
+                </a14:hiddenFill>
+              </a:ext>
+              <a:ext uri="{91240B29-F687-4F45-9708-019B960494DF}">
+                <a14:hiddenLine xmlns:a14="http://schemas.microsoft.com/office/drawing/2010/main" w="9525">
+                  <a:solidFill>
+                    <a:schemeClr val="tx1"/>
+                  </a:solidFill>
+                  <a:miter lim="800000"/>
+                  <a:headEnd/>
+                  <a:tailEnd/>
+                </a14:hiddenLine>
+              </a:ext>
+            </a:extLst>
+          </p:spPr>
+        </p:pic>
+        <p:pic>
+          <p:nvPicPr>
+            <p:cNvPr id="11" name="Picture 2"/>
+            <p:cNvPicPr>
+              <a:picLocks noChangeAspect="1" noChangeArrowheads="1"/>
+            </p:cNvPicPr>
+            <p:nvPr/>
+          </p:nvPicPr>
+          <p:blipFill>
+            <a:blip r:embed="rId2">
+              <a:extLst>
+                <a:ext uri="{28A0092B-C50C-407E-A947-70E740481C1C}">
+                  <a14:useLocalDpi xmlns:a14="http://schemas.microsoft.com/office/drawing/2010/main" val="0"/>
+                </a:ext>
+              </a:extLst>
+            </a:blip>
+            <a:srcRect/>
+            <a:stretch>
+              <a:fillRect/>
+            </a:stretch>
+          </p:blipFill>
+          <p:spPr bwMode="auto">
+            <a:xfrm flipH="1">
+              <a:off x="4953000" y="4388304"/>
+              <a:ext cx="1809750" cy="1809750"/>
+            </a:xfrm>
+            <a:prstGeom prst="rect">
+              <a:avLst/>
+            </a:prstGeom>
+            <a:noFill/>
+            <a:ln>
+              <a:noFill/>
+            </a:ln>
+            <a:extLst>
+              <a:ext uri="{909E8E84-426E-40DD-AFC4-6F175D3DCCD1}">
+                <a14:hiddenFill xmlns:a14="http://schemas.microsoft.com/office/drawing/2010/main">
+                  <a:solidFill>
+                    <a:schemeClr val="accent1"/>
+                  </a:solidFill>
+                </a14:hiddenFill>
+              </a:ext>
+              <a:ext uri="{91240B29-F687-4F45-9708-019B960494DF}">
+                <a14:hiddenLine xmlns:a14="http://schemas.microsoft.com/office/drawing/2010/main" w="9525">
+                  <a:solidFill>
+                    <a:schemeClr val="tx1"/>
+                  </a:solidFill>
+                  <a:miter lim="800000"/>
+                  <a:headEnd/>
+                  <a:tailEnd/>
+                </a14:hiddenLine>
+              </a:ext>
+            </a:extLst>
+          </p:spPr>
+        </p:pic>
+      </p:grpSp>
+    </p:spTree>
+    <p:extLst>
+      <p:ext uri="{BB962C8B-B14F-4D97-AF65-F5344CB8AC3E}">
+        <p14:creationId xmlns:p14="http://schemas.microsoft.com/office/powerpoint/2010/main" val="118977501"/>
+      </p:ext>
+    </p:extLst>
+  </p:cSld>
+  <p:clrMapOvr>
+    <a:masterClrMapping/>
+  </p:clrMapOvr>
+</p:sld>
+</file>
+
 <file path=ppt/theme/theme1.xml><?xml version="1.0" encoding="utf-8"?>
 <a:theme xmlns:a="http://schemas.openxmlformats.org/drawingml/2006/main" name="Office Theme">
   <a:themeElements>
